--- a/ADS_Seminar.pptx
+++ b/ADS_Seminar.pptx
@@ -8,24 +8,19 @@
     <p:sldId id="276" r:id="rId2"/>
     <p:sldId id="256" r:id="rId3"/>
     <p:sldId id="257" r:id="rId4"/>
-    <p:sldId id="258" r:id="rId5"/>
-    <p:sldId id="259" r:id="rId6"/>
-    <p:sldId id="260" r:id="rId7"/>
-    <p:sldId id="261" r:id="rId8"/>
-    <p:sldId id="262" r:id="rId9"/>
-    <p:sldId id="263" r:id="rId10"/>
-    <p:sldId id="264" r:id="rId11"/>
-    <p:sldId id="265" r:id="rId12"/>
-    <p:sldId id="266" r:id="rId13"/>
-    <p:sldId id="267" r:id="rId14"/>
-    <p:sldId id="268" r:id="rId15"/>
-    <p:sldId id="269" r:id="rId16"/>
-    <p:sldId id="270" r:id="rId17"/>
-    <p:sldId id="271" r:id="rId18"/>
-    <p:sldId id="272" r:id="rId19"/>
-    <p:sldId id="273" r:id="rId20"/>
-    <p:sldId id="274" r:id="rId21"/>
-    <p:sldId id="275" r:id="rId22"/>
+    <p:sldId id="259" r:id="rId5"/>
+    <p:sldId id="261" r:id="rId6"/>
+    <p:sldId id="264" r:id="rId7"/>
+    <p:sldId id="265" r:id="rId8"/>
+    <p:sldId id="266" r:id="rId9"/>
+    <p:sldId id="278" r:id="rId10"/>
+    <p:sldId id="268" r:id="rId11"/>
+    <p:sldId id="267" r:id="rId12"/>
+    <p:sldId id="269" r:id="rId13"/>
+    <p:sldId id="270" r:id="rId14"/>
+    <p:sldId id="271" r:id="rId15"/>
+    <p:sldId id="275" r:id="rId16"/>
+    <p:sldId id="277" r:id="rId17"/>
   </p:sldIdLst>
   <p:sldSz cx="9144000" cy="6858000" type="screen4x3"/>
   <p:notesSz cx="6858000" cy="9144000"/>
@@ -559,7 +554,6 @@
               <a:rPr lang="en-US"/>
               <a:t>Click icon to add picture</a:t>
             </a:r>
-            <a:endParaRPr lang="en-US" dirty="0"/>
           </a:p>
         </p:txBody>
       </p:sp>
@@ -1094,7 +1088,7 @@
           <a:p>
             <a:pPr lvl="0"/>
             <a:r>
-              <a:rPr lang="en-US" sz="8000" dirty="0">
+              <a:rPr lang="en-US" sz="8000">
                 <a:solidFill>
                   <a:schemeClr val="accent1"/>
                 </a:solidFill>
@@ -1209,7 +1203,7 @@
           <a:p>
             <a:pPr lvl="0" algn="r"/>
             <a:r>
-              <a:rPr lang="en-US" sz="8000" dirty="0">
+              <a:rPr lang="en-US" sz="8000">
                 <a:solidFill>
                   <a:schemeClr val="accent1"/>
                 </a:solidFill>
@@ -1913,7 +1907,7 @@
           <a:p>
             <a:pPr lvl="0"/>
             <a:r>
-              <a:rPr lang="en-US" sz="8000" dirty="0">
+              <a:rPr lang="en-US" sz="8000">
                 <a:solidFill>
                   <a:schemeClr val="accent1"/>
                 </a:solidFill>
@@ -2028,7 +2022,7 @@
           <a:p>
             <a:pPr lvl="0" algn="r"/>
             <a:r>
-              <a:rPr lang="en-US" sz="8000" dirty="0">
+              <a:rPr lang="en-US" sz="8000">
                 <a:solidFill>
                   <a:schemeClr val="accent1"/>
                 </a:solidFill>
@@ -4844,7 +4838,6 @@
               <a:rPr lang="en-US"/>
               <a:t>Click icon to add picture</a:t>
             </a:r>
-            <a:endParaRPr lang="en-US" dirty="0"/>
           </a:p>
         </p:txBody>
       </p:sp>
@@ -5958,6 +5951,26 @@
           <a:bodyPr/>
           <a:lstStyle/>
           <a:p>
+            <a:r>
+              <a:rPr lang="sr-Cyrl-RS"/>
+              <a:t>Алтернативни стримови података (</a:t>
+            </a:r>
+            <a:r>
+              <a:rPr lang="sr-Latn-RS" sz="4000"/>
+              <a:t>ADS</a:t>
+            </a:r>
+            <a:r>
+              <a:rPr lang="sr-Cyrl-RS"/>
+              <a:t>) у </a:t>
+            </a:r>
+            <a:r>
+              <a:rPr lang="sr-Latn-RS"/>
+              <a:t>NTFS</a:t>
+            </a:r>
+            <a:r>
+              <a:rPr lang="sr-Cyrl-RS"/>
+              <a:t> фајл систему</a:t>
+            </a:r>
             <a:endParaRPr lang="sr-Latn-RS"/>
           </a:p>
         </p:txBody>
@@ -5983,7 +5996,452 @@
           <a:bodyPr/>
           <a:lstStyle/>
           <a:p>
+            <a:r>
+              <a:rPr lang="sr-Latn-RS" sz="1800">
+                <a:effectLst/>
+                <a:latin typeface="Times New Roman" panose="02020603050405020304" pitchFamily="18" charset="0"/>
+                <a:ea typeface="Calibri" panose="020F0502020204030204" pitchFamily="34" charset="0"/>
+              </a:rPr>
+              <a:t> </a:t>
+            </a:r>
+            <a:endParaRPr lang="sr-Cyrl-RS" sz="1800">
+              <a:effectLst/>
+              <a:latin typeface="Times New Roman" panose="02020603050405020304" pitchFamily="18" charset="0"/>
+              <a:ea typeface="Calibri" panose="020F0502020204030204" pitchFamily="34" charset="0"/>
+            </a:endParaRPr>
+          </a:p>
+          <a:p>
+            <a:r>
+              <a:rPr lang="sr-Cyrl-RS" sz="1800">
+                <a:effectLst/>
+                <a:latin typeface="Times New Roman" panose="02020603050405020304" pitchFamily="18" charset="0"/>
+                <a:ea typeface="Calibri" panose="020F0502020204030204" pitchFamily="34" charset="0"/>
+              </a:rPr>
+              <a:t>        </a:t>
+            </a:r>
+          </a:p>
+          <a:p>
+            <a:endParaRPr lang="sr-Cyrl-RS" sz="1800">
+              <a:effectLst/>
+              <a:latin typeface="Times New Roman" panose="02020603050405020304" pitchFamily="18" charset="0"/>
+              <a:ea typeface="Calibri" panose="020F0502020204030204" pitchFamily="34" charset="0"/>
+            </a:endParaRPr>
+          </a:p>
+          <a:p>
+            <a:r>
+              <a:rPr lang="sr-Cyrl-RS" sz="1800">
+                <a:effectLst/>
+                <a:latin typeface="Times New Roman" panose="02020603050405020304" pitchFamily="18" charset="0"/>
+                <a:ea typeface="Calibri" panose="020F0502020204030204" pitchFamily="34" charset="0"/>
+              </a:rPr>
+              <a:t>Студенти:               						Ментор:                                                                                                   Вукашин Поповић 1927			                Братислав Предић</a:t>
+            </a:r>
             <a:endParaRPr lang="sr-Latn-RS"/>
+          </a:p>
+        </p:txBody>
+      </p:sp>
+      <p:sp>
+        <p:nvSpPr>
+          <p:cNvPr id="4" name="Subtitle 2">
+            <a:extLst>
+              <a:ext uri="{FF2B5EF4-FFF2-40B4-BE49-F238E27FC236}">
+                <a16:creationId xmlns:a16="http://schemas.microsoft.com/office/drawing/2014/main" id="{CC41D586-90C0-405A-97DB-7D695EF6D9CD}"/>
+              </a:ext>
+            </a:extLst>
+          </p:cNvPr>
+          <p:cNvSpPr txBox="1">
+            <a:spLocks/>
+          </p:cNvSpPr>
+          <p:nvPr/>
+        </p:nvSpPr>
+        <p:spPr>
+          <a:xfrm>
+            <a:off x="814180" y="509914"/>
+            <a:ext cx="7510506" cy="2219108"/>
+          </a:xfrm>
+          <a:prstGeom prst="rect">
+            <a:avLst/>
+          </a:prstGeom>
+        </p:spPr>
+        <p:txBody>
+          <a:bodyPr vert="horz" lIns="91440" tIns="45720" rIns="91440" bIns="45720" rtlCol="0" anchor="t">
+            <a:normAutofit/>
+          </a:bodyPr>
+          <a:lstStyle>
+            <a:lvl1pPr marL="0" indent="0" algn="ctr" defTabSz="457200" rtl="0" eaLnBrk="1" latinLnBrk="0" hangingPunct="1">
+              <a:spcBef>
+                <a:spcPct val="20000"/>
+              </a:spcBef>
+              <a:spcAft>
+                <a:spcPts val="600"/>
+              </a:spcAft>
+              <a:buClr>
+                <a:schemeClr val="tx1"/>
+              </a:buClr>
+              <a:buSzPct val="130000"/>
+              <a:buFont typeface="Arial"/>
+              <a:buNone/>
+              <a:defRPr sz="1800" kern="1200" cap="small">
+                <a:gradFill flip="none" rotWithShape="1">
+                  <a:gsLst>
+                    <a:gs pos="0">
+                      <a:schemeClr val="tx1"/>
+                    </a:gs>
+                    <a:gs pos="100000">
+                      <a:schemeClr val="tx1">
+                        <a:lumMod val="75000"/>
+                      </a:schemeClr>
+                    </a:gs>
+                  </a:gsLst>
+                  <a:lin ang="0" scaled="1"/>
+                  <a:tileRect/>
+                </a:gradFill>
+                <a:effectLst>
+                  <a:glow rad="38100">
+                    <a:schemeClr val="bg1">
+                      <a:lumMod val="50000"/>
+                      <a:lumOff val="50000"/>
+                      <a:alpha val="20000"/>
+                    </a:schemeClr>
+                  </a:glow>
+                  <a:outerShdw blurRad="44450" dist="12700" dir="13860000" algn="tl" rotWithShape="0">
+                    <a:srgbClr val="000000">
+                      <a:alpha val="20000"/>
+                    </a:srgbClr>
+                  </a:outerShdw>
+                </a:effectLst>
+                <a:latin typeface="+mn-lt"/>
+                <a:ea typeface="+mn-ea"/>
+                <a:cs typeface="+mn-cs"/>
+              </a:defRPr>
+            </a:lvl1pPr>
+            <a:lvl2pPr marL="457200" indent="0" algn="ctr" defTabSz="457200" rtl="0" eaLnBrk="1" latinLnBrk="0" hangingPunct="1">
+              <a:spcBef>
+                <a:spcPct val="20000"/>
+              </a:spcBef>
+              <a:spcAft>
+                <a:spcPts val="600"/>
+              </a:spcAft>
+              <a:buClr>
+                <a:schemeClr val="tx1"/>
+              </a:buClr>
+              <a:buSzPct val="130000"/>
+              <a:buFont typeface="Arial"/>
+              <a:buNone/>
+              <a:defRPr sz="1600" kern="1200" cap="small">
+                <a:solidFill>
+                  <a:schemeClr val="tx1">
+                    <a:tint val="75000"/>
+                  </a:schemeClr>
+                </a:solidFill>
+                <a:effectLst>
+                  <a:glow rad="38100">
+                    <a:schemeClr val="bg1">
+                      <a:lumMod val="50000"/>
+                      <a:lumOff val="50000"/>
+                      <a:alpha val="20000"/>
+                    </a:schemeClr>
+                  </a:glow>
+                  <a:outerShdw blurRad="44450" dist="12700" dir="13860000" algn="tl" rotWithShape="0">
+                    <a:srgbClr val="000000">
+                      <a:alpha val="20000"/>
+                    </a:srgbClr>
+                  </a:outerShdw>
+                </a:effectLst>
+                <a:latin typeface="+mn-lt"/>
+                <a:ea typeface="+mn-ea"/>
+                <a:cs typeface="+mn-cs"/>
+              </a:defRPr>
+            </a:lvl2pPr>
+            <a:lvl3pPr marL="914400" indent="0" algn="ctr" defTabSz="457200" rtl="0" eaLnBrk="1" latinLnBrk="0" hangingPunct="1">
+              <a:spcBef>
+                <a:spcPct val="20000"/>
+              </a:spcBef>
+              <a:spcAft>
+                <a:spcPts val="600"/>
+              </a:spcAft>
+              <a:buClr>
+                <a:schemeClr val="tx1"/>
+              </a:buClr>
+              <a:buSzPct val="130000"/>
+              <a:buFont typeface="Arial"/>
+              <a:buNone/>
+              <a:defRPr sz="1400" kern="1200" cap="small">
+                <a:solidFill>
+                  <a:schemeClr val="tx1">
+                    <a:tint val="75000"/>
+                  </a:schemeClr>
+                </a:solidFill>
+                <a:effectLst>
+                  <a:glow rad="38100">
+                    <a:schemeClr val="bg1">
+                      <a:lumMod val="50000"/>
+                      <a:lumOff val="50000"/>
+                      <a:alpha val="20000"/>
+                    </a:schemeClr>
+                  </a:glow>
+                  <a:outerShdw blurRad="44450" dist="12700" dir="13860000" algn="tl" rotWithShape="0">
+                    <a:srgbClr val="000000">
+                      <a:alpha val="20000"/>
+                    </a:srgbClr>
+                  </a:outerShdw>
+                </a:effectLst>
+                <a:latin typeface="+mn-lt"/>
+                <a:ea typeface="+mn-ea"/>
+                <a:cs typeface="+mn-cs"/>
+              </a:defRPr>
+            </a:lvl3pPr>
+            <a:lvl4pPr marL="1371600" indent="0" algn="ctr" defTabSz="457200" rtl="0" eaLnBrk="1" latinLnBrk="0" hangingPunct="1">
+              <a:spcBef>
+                <a:spcPct val="20000"/>
+              </a:spcBef>
+              <a:spcAft>
+                <a:spcPts val="600"/>
+              </a:spcAft>
+              <a:buClr>
+                <a:schemeClr val="tx1"/>
+              </a:buClr>
+              <a:buSzPct val="130000"/>
+              <a:buFont typeface="Arial"/>
+              <a:buNone/>
+              <a:defRPr sz="1400" kern="1200" cap="small">
+                <a:solidFill>
+                  <a:schemeClr val="tx1">
+                    <a:tint val="75000"/>
+                  </a:schemeClr>
+                </a:solidFill>
+                <a:effectLst>
+                  <a:glow rad="38100">
+                    <a:schemeClr val="bg1">
+                      <a:lumMod val="50000"/>
+                      <a:lumOff val="50000"/>
+                      <a:alpha val="20000"/>
+                    </a:schemeClr>
+                  </a:glow>
+                  <a:outerShdw blurRad="44450" dist="12700" dir="13860000" algn="tl" rotWithShape="0">
+                    <a:srgbClr val="000000">
+                      <a:alpha val="20000"/>
+                    </a:srgbClr>
+                  </a:outerShdw>
+                </a:effectLst>
+                <a:latin typeface="+mn-lt"/>
+                <a:ea typeface="+mn-ea"/>
+                <a:cs typeface="+mn-cs"/>
+              </a:defRPr>
+            </a:lvl4pPr>
+            <a:lvl5pPr marL="1828800" indent="0" algn="ctr" defTabSz="457200" rtl="0" eaLnBrk="1" latinLnBrk="0" hangingPunct="1">
+              <a:spcBef>
+                <a:spcPct val="20000"/>
+              </a:spcBef>
+              <a:spcAft>
+                <a:spcPts val="600"/>
+              </a:spcAft>
+              <a:buClr>
+                <a:schemeClr val="tx1"/>
+              </a:buClr>
+              <a:buSzPct val="130000"/>
+              <a:buFont typeface="Arial"/>
+              <a:buNone/>
+              <a:defRPr sz="1200" kern="1200" cap="small">
+                <a:solidFill>
+                  <a:schemeClr val="tx1">
+                    <a:tint val="75000"/>
+                  </a:schemeClr>
+                </a:solidFill>
+                <a:effectLst>
+                  <a:glow rad="38100">
+                    <a:schemeClr val="bg1">
+                      <a:lumMod val="50000"/>
+                      <a:lumOff val="50000"/>
+                      <a:alpha val="20000"/>
+                    </a:schemeClr>
+                  </a:glow>
+                  <a:outerShdw blurRad="44450" dist="12700" dir="13860000" algn="tl" rotWithShape="0">
+                    <a:srgbClr val="000000">
+                      <a:alpha val="20000"/>
+                    </a:srgbClr>
+                  </a:outerShdw>
+                </a:effectLst>
+                <a:latin typeface="+mn-lt"/>
+                <a:ea typeface="+mn-ea"/>
+                <a:cs typeface="+mn-cs"/>
+              </a:defRPr>
+            </a:lvl5pPr>
+            <a:lvl6pPr marL="2286000" indent="0" algn="ctr" defTabSz="457200" rtl="0" eaLnBrk="1" latinLnBrk="0" hangingPunct="1">
+              <a:spcBef>
+                <a:spcPct val="20000"/>
+              </a:spcBef>
+              <a:spcAft>
+                <a:spcPts val="600"/>
+              </a:spcAft>
+              <a:buClr>
+                <a:schemeClr val="tx1"/>
+              </a:buClr>
+              <a:buSzPct val="130000"/>
+              <a:buFont typeface="Arial"/>
+              <a:buNone/>
+              <a:defRPr sz="1100" kern="1200" cap="small">
+                <a:solidFill>
+                  <a:schemeClr val="tx1">
+                    <a:tint val="75000"/>
+                  </a:schemeClr>
+                </a:solidFill>
+                <a:effectLst>
+                  <a:glow rad="38100">
+                    <a:schemeClr val="bg1">
+                      <a:lumMod val="50000"/>
+                      <a:lumOff val="50000"/>
+                      <a:alpha val="20000"/>
+                    </a:schemeClr>
+                  </a:glow>
+                  <a:outerShdw blurRad="44450" dist="12700" dir="13860000" algn="tl" rotWithShape="0">
+                    <a:srgbClr val="000000">
+                      <a:alpha val="20000"/>
+                    </a:srgbClr>
+                  </a:outerShdw>
+                </a:effectLst>
+                <a:latin typeface="+mn-lt"/>
+                <a:ea typeface="+mn-ea"/>
+                <a:cs typeface="+mn-cs"/>
+              </a:defRPr>
+            </a:lvl6pPr>
+            <a:lvl7pPr marL="2743200" indent="0" algn="ctr" defTabSz="457200" rtl="0" eaLnBrk="1" latinLnBrk="0" hangingPunct="1">
+              <a:spcBef>
+                <a:spcPct val="20000"/>
+              </a:spcBef>
+              <a:spcAft>
+                <a:spcPts val="600"/>
+              </a:spcAft>
+              <a:buClr>
+                <a:schemeClr val="tx1"/>
+              </a:buClr>
+              <a:buSzPct val="130000"/>
+              <a:buFont typeface="Arial"/>
+              <a:buNone/>
+              <a:defRPr sz="1100" kern="1200" cap="small">
+                <a:solidFill>
+                  <a:schemeClr val="tx1">
+                    <a:tint val="75000"/>
+                  </a:schemeClr>
+                </a:solidFill>
+                <a:effectLst>
+                  <a:glow rad="38100">
+                    <a:schemeClr val="bg1">
+                      <a:lumMod val="50000"/>
+                      <a:lumOff val="50000"/>
+                      <a:alpha val="20000"/>
+                    </a:schemeClr>
+                  </a:glow>
+                  <a:outerShdw blurRad="44450" dist="12700" dir="13860000" algn="tl" rotWithShape="0">
+                    <a:srgbClr val="000000">
+                      <a:alpha val="20000"/>
+                    </a:srgbClr>
+                  </a:outerShdw>
+                </a:effectLst>
+                <a:latin typeface="+mn-lt"/>
+                <a:ea typeface="+mn-ea"/>
+                <a:cs typeface="+mn-cs"/>
+              </a:defRPr>
+            </a:lvl7pPr>
+            <a:lvl8pPr marL="3200400" indent="0" algn="ctr" defTabSz="457200" rtl="0" eaLnBrk="1" latinLnBrk="0" hangingPunct="1">
+              <a:spcBef>
+                <a:spcPct val="20000"/>
+              </a:spcBef>
+              <a:spcAft>
+                <a:spcPts val="600"/>
+              </a:spcAft>
+              <a:buClr>
+                <a:schemeClr val="tx1"/>
+              </a:buClr>
+              <a:buSzPct val="130000"/>
+              <a:buFont typeface="Arial"/>
+              <a:buNone/>
+              <a:defRPr sz="1100" kern="1200" cap="small">
+                <a:solidFill>
+                  <a:schemeClr val="tx1">
+                    <a:tint val="75000"/>
+                  </a:schemeClr>
+                </a:solidFill>
+                <a:effectLst>
+                  <a:glow rad="38100">
+                    <a:schemeClr val="bg1">
+                      <a:lumMod val="50000"/>
+                      <a:lumOff val="50000"/>
+                      <a:alpha val="20000"/>
+                    </a:schemeClr>
+                  </a:glow>
+                  <a:outerShdw blurRad="44450" dist="12700" dir="13860000" algn="tl" rotWithShape="0">
+                    <a:srgbClr val="000000">
+                      <a:alpha val="20000"/>
+                    </a:srgbClr>
+                  </a:outerShdw>
+                </a:effectLst>
+                <a:latin typeface="+mn-lt"/>
+                <a:ea typeface="+mn-ea"/>
+                <a:cs typeface="+mn-cs"/>
+              </a:defRPr>
+            </a:lvl8pPr>
+            <a:lvl9pPr marL="3657600" indent="0" algn="ctr" defTabSz="457200" rtl="0" eaLnBrk="1" latinLnBrk="0" hangingPunct="1">
+              <a:spcBef>
+                <a:spcPct val="20000"/>
+              </a:spcBef>
+              <a:spcAft>
+                <a:spcPts val="600"/>
+              </a:spcAft>
+              <a:buClr>
+                <a:schemeClr val="tx1"/>
+              </a:buClr>
+              <a:buSzPct val="100000"/>
+              <a:buFont typeface="Arial"/>
+              <a:buNone/>
+              <a:defRPr sz="1100" kern="1200" cap="small">
+                <a:solidFill>
+                  <a:schemeClr val="tx1">
+                    <a:tint val="75000"/>
+                  </a:schemeClr>
+                </a:solidFill>
+                <a:effectLst>
+                  <a:glow rad="38100">
+                    <a:schemeClr val="bg1">
+                      <a:lumMod val="50000"/>
+                      <a:lumOff val="50000"/>
+                      <a:alpha val="20000"/>
+                    </a:schemeClr>
+                  </a:glow>
+                  <a:outerShdw blurRad="44450" dist="12700" dir="13860000" algn="tl" rotWithShape="0">
+                    <a:srgbClr val="000000">
+                      <a:alpha val="20000"/>
+                    </a:srgbClr>
+                  </a:outerShdw>
+                </a:effectLst>
+                <a:latin typeface="+mn-lt"/>
+                <a:ea typeface="+mn-ea"/>
+                <a:cs typeface="+mn-cs"/>
+              </a:defRPr>
+            </a:lvl9pPr>
+          </a:lstStyle>
+          <a:p>
+            <a:r>
+              <a:rPr lang="sr-Cyrl-RS" sz="2400">
+                <a:effectLst/>
+                <a:ea typeface="Calibri" panose="020F0502020204030204" pitchFamily="34" charset="0"/>
+              </a:rPr>
+              <a:t>УНИВЕРЗИТЕТ У НИШУ</a:t>
+            </a:r>
+            <a:br>
+              <a:rPr lang="sr-Cyrl-RS" sz="2400">
+                <a:effectLst/>
+                <a:ea typeface="Calibri" panose="020F0502020204030204" pitchFamily="34" charset="0"/>
+              </a:rPr>
+            </a:br>
+            <a:r>
+              <a:rPr lang="sr-Cyrl-RS" sz="2400">
+                <a:effectLst/>
+                <a:ea typeface="Calibri" panose="020F0502020204030204" pitchFamily="34" charset="0"/>
+              </a:rPr>
+              <a:t>Електронски факултет </a:t>
+            </a:r>
+            <a:endParaRPr lang="sr-Latn-RS" sz="2400"/>
           </a:p>
         </p:txBody>
       </p:sp>
@@ -6033,7 +6491,7 @@
           <a:lstStyle/>
           <a:p>
             <a:r>
-              <a:t>ADS – Појам</a:t>
+              <a:t>Креирање и приступ ADS-у</a:t>
             </a:r>
           </a:p>
         </p:txBody>
@@ -6048,22 +6506,167 @@
             <p:ph idx="1"/>
           </p:nvPr>
         </p:nvSpPr>
-        <p:spPr/>
-        <p:txBody>
-          <a:bodyPr/>
+        <p:spPr>
+          <a:xfrm>
+            <a:off x="818348" y="1768533"/>
+            <a:ext cx="7511472" cy="4041162"/>
+          </a:xfrm>
+        </p:spPr>
+        <p:txBody>
+          <a:bodyPr>
+            <a:noAutofit/>
+          </a:bodyPr>
           <a:lstStyle/>
           <a:p>
-            <a:r>
-              <a:t>Функција NTFS-а која омогућава више токова података унутар једне датотеке.</a:t>
-            </a:r>
-          </a:p>
-          <a:p>
-            <a:r>
-              <a:t>Подржава метаподатке и додатне информације.</a:t>
-            </a:r>
-          </a:p>
-        </p:txBody>
-      </p:sp>
+            <a:pPr marL="0" indent="0">
+              <a:buNone/>
+            </a:pPr>
+            <a:endParaRPr lang="sr-Cyrl-RS" sz="2400"/>
+          </a:p>
+          <a:p>
+            <a:r>
+              <a:rPr lang="sr-Latn-RS" sz="2400"/>
+              <a:t>ADS</a:t>
+            </a:r>
+            <a:r>
+              <a:rPr lang="sr-Cyrl-RS" sz="2400"/>
+              <a:t> се додаје на постојећи фајл.</a:t>
+            </a:r>
+          </a:p>
+          <a:p>
+            <a:pPr marL="0" indent="0">
+              <a:buNone/>
+            </a:pPr>
+            <a:endParaRPr lang="sr-Cyrl-RS" sz="2400"/>
+          </a:p>
+          <a:p>
+            <a:endParaRPr lang="sr-Cyrl-RS" sz="2400"/>
+          </a:p>
+          <a:p>
+            <a:r>
+              <a:rPr lang="sr-Cyrl-RS" sz="2400"/>
+              <a:t>У </a:t>
+            </a:r>
+            <a:r>
+              <a:rPr lang="en-US" sz="2400"/>
+              <a:t>txt </a:t>
+            </a:r>
+            <a:r>
+              <a:rPr lang="sr-Cyrl-RS" sz="2400"/>
+              <a:t>фајл унутар </a:t>
+            </a:r>
+            <a:r>
+              <a:rPr lang="sr-Latn-RS" sz="2400"/>
+              <a:t>ADS</a:t>
+            </a:r>
+            <a:r>
+              <a:rPr lang="sr-Cyrl-RS" sz="2400"/>
+              <a:t>-а смешта се други </a:t>
+            </a:r>
+            <a:r>
+              <a:rPr lang="en-US" sz="2400"/>
+              <a:t>txt</a:t>
+            </a:r>
+            <a:r>
+              <a:rPr lang="sr-Cyrl-RS" sz="2400"/>
+              <a:t> истог имена са називом стрима </a:t>
+            </a:r>
+            <a:r>
+              <a:rPr lang="en-US" sz="2400"/>
+              <a:t>hidden.txt</a:t>
+            </a:r>
+            <a:r>
+              <a:rPr lang="sr-Cyrl-RS" sz="2400"/>
+              <a:t> и садржајем ’’</a:t>
+            </a:r>
+            <a:r>
+              <a:rPr lang="sr-Latn-RS" sz="2400"/>
+              <a:t>ADS</a:t>
+            </a:r>
+            <a:r>
+              <a:rPr lang="sr-Cyrl-RS" sz="2400"/>
+              <a:t>’’.</a:t>
+            </a:r>
+          </a:p>
+          <a:p>
+            <a:r>
+              <a:rPr lang="sr-Cyrl-RS" sz="2400"/>
+              <a:t>Отварање фајла из </a:t>
+            </a:r>
+            <a:r>
+              <a:rPr lang="sr-Latn-RS" sz="2400"/>
+              <a:t>ADS</a:t>
+            </a:r>
+            <a:r>
+              <a:rPr lang="sr-Cyrl-RS" sz="2400"/>
+              <a:t>-а.</a:t>
+            </a:r>
+          </a:p>
+          <a:p>
+            <a:endParaRPr lang="sr-Cyrl-RS" sz="2400"/>
+          </a:p>
+        </p:txBody>
+      </p:sp>
+      <p:pic>
+        <p:nvPicPr>
+          <p:cNvPr id="5" name="Picture 4">
+            <a:extLst>
+              <a:ext uri="{FF2B5EF4-FFF2-40B4-BE49-F238E27FC236}">
+                <a16:creationId xmlns:a16="http://schemas.microsoft.com/office/drawing/2014/main" id="{7D50DA60-A2B3-4AA7-98BF-4E9543908004}"/>
+              </a:ext>
+            </a:extLst>
+          </p:cNvPr>
+          <p:cNvPicPr>
+            <a:picLocks noChangeAspect="1"/>
+          </p:cNvPicPr>
+          <p:nvPr/>
+        </p:nvPicPr>
+        <p:blipFill>
+          <a:blip r:embed="rId2"/>
+          <a:stretch>
+            <a:fillRect/>
+          </a:stretch>
+        </p:blipFill>
+        <p:spPr>
+          <a:xfrm>
+            <a:off x="1048378" y="2847837"/>
+            <a:ext cx="4441902" cy="533492"/>
+          </a:xfrm>
+          <a:prstGeom prst="rect">
+            <a:avLst/>
+          </a:prstGeom>
+        </p:spPr>
+      </p:pic>
+      <p:pic>
+        <p:nvPicPr>
+          <p:cNvPr id="7" name="Picture 6">
+            <a:extLst>
+              <a:ext uri="{FF2B5EF4-FFF2-40B4-BE49-F238E27FC236}">
+                <a16:creationId xmlns:a16="http://schemas.microsoft.com/office/drawing/2014/main" id="{A17B042A-01CC-4B5F-A987-AC4F2D944CCD}"/>
+              </a:ext>
+            </a:extLst>
+          </p:cNvPr>
+          <p:cNvPicPr>
+            <a:picLocks noChangeAspect="1"/>
+          </p:cNvPicPr>
+          <p:nvPr/>
+        </p:nvPicPr>
+        <p:blipFill>
+          <a:blip r:embed="rId3"/>
+          <a:stretch>
+            <a:fillRect/>
+          </a:stretch>
+        </p:blipFill>
+        <p:spPr>
+          <a:xfrm>
+            <a:off x="1048378" y="5593530"/>
+            <a:ext cx="4338892" cy="592252"/>
+          </a:xfrm>
+          <a:prstGeom prst="rect">
+            <a:avLst/>
+          </a:prstGeom>
+        </p:spPr>
+      </p:pic>
     </p:spTree>
   </p:cSld>
   <p:clrMapOvr>
@@ -6105,8 +6708,18 @@
           <a:lstStyle/>
           <a:p>
             <a:r>
-              <a:t>Историја ADS-а</a:t>
-            </a:r>
+              <a:rPr lang="sr-Cyrl-RS"/>
+              <a:t>Приступ </a:t>
+            </a:r>
+            <a:r>
+              <a:rPr lang="sr-Latn-RS"/>
+              <a:t>ADS-</a:t>
+            </a:r>
+            <a:r>
+              <a:rPr lang="sr-Cyrl-RS"/>
+              <a:t>у</a:t>
+            </a:r>
+            <a:endParaRPr/>
           </a:p>
         </p:txBody>
       </p:sp>
@@ -6120,19 +6733,80 @@
             <p:ph idx="1"/>
           </p:nvPr>
         </p:nvSpPr>
-        <p:spPr/>
-        <p:txBody>
-          <a:bodyPr/>
+        <p:spPr>
+          <a:xfrm>
+            <a:off x="814180" y="1813248"/>
+            <a:ext cx="7511472" cy="4041162"/>
+          </a:xfrm>
+        </p:spPr>
+        <p:txBody>
+          <a:bodyPr>
+            <a:normAutofit/>
+          </a:bodyPr>
           <a:lstStyle/>
           <a:p>
             <a:r>
-              <a:t>ADS је настао инспирисан Apple HFS системом.</a:t>
-            </a:r>
-          </a:p>
-          <a:p>
-            <a:r>
-              <a:t>Првобитно коришћен за компатибилност и метаподатке.</a:t>
-            </a:r>
+              <a:rPr lang="sr-Latn-RS" sz="2400"/>
+              <a:t>Windows </a:t>
+            </a:r>
+            <a:r>
+              <a:rPr lang="sr-Cyrl-RS" sz="2400"/>
+              <a:t>подразумевано садржи само </a:t>
+            </a:r>
+            <a:r>
+              <a:rPr lang="sr-Latn-RS" sz="2400"/>
+              <a:t>Notepad </a:t>
+            </a:r>
+            <a:r>
+              <a:rPr lang="sr-Cyrl-RS" sz="2400"/>
+              <a:t>и </a:t>
+            </a:r>
+            <a:r>
+              <a:rPr lang="sr-Latn-RS" sz="2400"/>
+              <a:t>Type → </a:t>
+            </a:r>
+            <a:r>
+              <a:rPr lang="sr-Cyrl-RS" sz="2400"/>
+              <a:t>нема уграђене напредне алате за рад са </a:t>
+            </a:r>
+            <a:r>
+              <a:rPr lang="sr-Latn-RS" sz="2400"/>
+              <a:t>ADS</a:t>
+            </a:r>
+            <a:r>
+              <a:rPr lang="sr-Cyrl-RS" sz="2400"/>
+              <a:t>-ом</a:t>
+            </a:r>
+            <a:r>
+              <a:rPr lang="sr-Latn-RS" sz="2400"/>
+              <a:t>.</a:t>
+            </a:r>
+          </a:p>
+          <a:p>
+            <a:endParaRPr lang="sr-Latn-RS" sz="2400"/>
+          </a:p>
+          <a:p>
+            <a:r>
+              <a:rPr lang="sr-Cyrl-RS" sz="2400"/>
+              <a:t>Није могуће откривање или брисање </a:t>
+            </a:r>
+            <a:r>
+              <a:rPr lang="sr-Latn-RS" sz="2400"/>
+              <a:t>ADS </a:t>
+            </a:r>
+            <a:r>
+              <a:rPr lang="sr-Cyrl-RS" sz="2400"/>
+              <a:t>без алата трећих страна (нпр. </a:t>
+            </a:r>
+            <a:r>
+              <a:rPr lang="sr-Latn-RS" sz="2400"/>
+              <a:t>Sysinternals Streams, PowerShell </a:t>
+            </a:r>
+            <a:r>
+              <a:rPr lang="sr-Cyrl-RS" sz="2400"/>
+              <a:t>скрипте, форензички софтвер).</a:t>
+            </a:r>
+            <a:endParaRPr sz="2400"/>
           </a:p>
         </p:txBody>
       </p:sp>
@@ -6177,7 +6851,7 @@
           <a:lstStyle/>
           <a:p>
             <a:r>
-              <a:t>ADS у другим системима</a:t>
+              <a:t>Детектовање и брисање ADS-а</a:t>
             </a:r>
           </a:p>
         </p:txBody>
@@ -6194,16 +6868,45 @@
         </p:nvSpPr>
         <p:spPr/>
         <p:txBody>
-          <a:bodyPr/>
+          <a:bodyPr>
+            <a:normAutofit/>
+          </a:bodyPr>
           <a:lstStyle/>
           <a:p>
             <a:r>
-              <a:t>HFS+, APFS, ReFS, Ext4, Btrfs, ZFS.</a:t>
-            </a:r>
-          </a:p>
-          <a:p>
-            <a:r>
-              <a:t>Сви имају сличне механизме проширених атрибута.</a:t>
+              <a:rPr lang="sr-Cyrl-RS" sz="2400"/>
+              <a:t>Могуће је детектовање алтернативних стримова прикачених на фајл коришћењем уграђене </a:t>
+            </a:r>
+            <a:r>
+              <a:rPr lang="sr-Latn-RS" sz="2400"/>
+              <a:t>dir /r</a:t>
+            </a:r>
+            <a:r>
+              <a:rPr lang="sr-Cyrl-RS" sz="2400"/>
+              <a:t> функције</a:t>
+            </a:r>
+          </a:p>
+          <a:p>
+            <a:endParaRPr lang="en-US" sz="2400"/>
+          </a:p>
+          <a:p>
+            <a:r>
+              <a:rPr lang="sr-Cyrl-RS" sz="2400"/>
+              <a:t>Алтернативни алати: </a:t>
+            </a:r>
+            <a:r>
+              <a:rPr sz="2400"/>
+              <a:t>Sysinternals Streams, PowerShell.</a:t>
+            </a:r>
+            <a:endParaRPr lang="sr-Cyrl-RS" sz="2400"/>
+          </a:p>
+          <a:p>
+            <a:endParaRPr sz="2400"/>
+          </a:p>
+          <a:p>
+            <a:r>
+              <a:rPr sz="2400"/>
+              <a:t>Брисање преписивањем или посебним алатима.</a:t>
             </a:r>
           </a:p>
         </p:txBody>
@@ -6249,8 +6952,18 @@
           <a:lstStyle/>
           <a:p>
             <a:r>
-              <a:t>Како функционише ADS</a:t>
-            </a:r>
+              <a:rPr lang="sr-Cyrl-RS"/>
+              <a:t>Смештање и отварање сложенијих типова у </a:t>
+            </a:r>
+            <a:r>
+              <a:rPr lang="sr-Latn-RS"/>
+              <a:t>ADS</a:t>
+            </a:r>
+            <a:r>
+              <a:rPr lang="sr-Cyrl-RS"/>
+              <a:t>-у</a:t>
+            </a:r>
+            <a:endParaRPr/>
           </a:p>
         </p:txBody>
       </p:sp>
@@ -6264,19 +6977,76 @@
             <p:ph idx="1"/>
           </p:nvPr>
         </p:nvSpPr>
-        <p:spPr/>
-        <p:txBody>
-          <a:bodyPr/>
+        <p:spPr>
+          <a:xfrm>
+            <a:off x="818348" y="2220820"/>
+            <a:ext cx="7511472" cy="4041162"/>
+          </a:xfrm>
+        </p:spPr>
+        <p:txBody>
+          <a:bodyPr>
+            <a:normAutofit/>
+          </a:bodyPr>
           <a:lstStyle/>
           <a:p>
             <a:r>
-              <a:t>Фајл садржи примарни и више алтернативних токова.</a:t>
-            </a:r>
-          </a:p>
-          <a:p>
-            <a:r>
-              <a:t>Приступ преко синтаксе file.txt:stream.</a:t>
-            </a:r>
+              <a:rPr lang="sr-Cyrl-RS" sz="2400"/>
+              <a:t>Пошто </a:t>
+            </a:r>
+            <a:r>
+              <a:rPr lang="en-US" sz="2400"/>
+              <a:t>Windows </a:t>
+            </a:r>
+            <a:r>
+              <a:rPr lang="sr-Cyrl-RS" sz="2400"/>
+              <a:t>подржава само </a:t>
+            </a:r>
+            <a:r>
+              <a:rPr lang="sr-Latn-RS" sz="2400"/>
+              <a:t>Notepad </a:t>
+            </a:r>
+            <a:r>
+              <a:rPr lang="sr-Cyrl-RS" sz="2400"/>
+              <a:t>и </a:t>
+            </a:r>
+            <a:r>
+              <a:rPr lang="sr-Latn-RS" sz="2400"/>
+              <a:t>Type</a:t>
+            </a:r>
+            <a:r>
+              <a:rPr lang="sr-Cyrl-RS" sz="2400"/>
+              <a:t>, за рад са сложенијим типовима као што су слике и снимци потребни су нам алати који могу превазићи уграђена </a:t>
+            </a:r>
+            <a:r>
+              <a:rPr lang="en-US" sz="2400"/>
+              <a:t>Windows</a:t>
+            </a:r>
+            <a:r>
+              <a:rPr lang="sr-Cyrl-RS" sz="2400"/>
+              <a:t> ограничења.</a:t>
+            </a:r>
+          </a:p>
+          <a:p>
+            <a:pPr marL="0" indent="0">
+              <a:buNone/>
+            </a:pPr>
+            <a:endParaRPr lang="sr-Cyrl-RS" sz="2400"/>
+          </a:p>
+          <a:p>
+            <a:r>
+              <a:rPr lang="sr-Cyrl-RS" sz="2400">
+                <a:effectLst/>
+                <a:ea typeface="Calibri" panose="020F0502020204030204" pitchFamily="34" charset="0"/>
+              </a:rPr>
+              <a:t>Форензички алати: X-Ways Forensics, The Sleuth Kit (TSK), OSForensics, Autopsy, итд.</a:t>
+            </a:r>
+            <a:endParaRPr lang="sr-Cyrl-RS" sz="2400"/>
+          </a:p>
+          <a:p>
+            <a:endParaRPr lang="sr-Cyrl-RS" sz="2400"/>
+          </a:p>
+          <a:p>
+            <a:endParaRPr sz="2400"/>
           </a:p>
         </p:txBody>
       </p:sp>
@@ -6321,37 +7091,42 @@
           <a:lstStyle/>
           <a:p>
             <a:r>
-              <a:t>Креирање и приступ ADS-у</a:t>
-            </a:r>
-          </a:p>
-        </p:txBody>
-      </p:sp>
-      <p:sp>
-        <p:nvSpPr>
-          <p:cNvPr id="3" name="Content Placeholder 2"/>
-          <p:cNvSpPr>
-            <a:spLocks noGrp="1"/>
-          </p:cNvSpPr>
+              <a:rPr lang="en-US"/>
+              <a:t>Custom file explorer</a:t>
+            </a:r>
+            <a:endParaRPr/>
+          </a:p>
+        </p:txBody>
+      </p:sp>
+      <p:pic>
+        <p:nvPicPr>
+          <p:cNvPr id="5" name="Content Placeholder 4">
+            <a:extLst>
+              <a:ext uri="{FF2B5EF4-FFF2-40B4-BE49-F238E27FC236}">
+                <a16:creationId xmlns:a16="http://schemas.microsoft.com/office/drawing/2014/main" id="{25D886EE-D266-41A0-B937-D2489197A8E4}"/>
+              </a:ext>
+            </a:extLst>
+          </p:cNvPr>
+          <p:cNvPicPr>
+            <a:picLocks noGrp="1" noChangeAspect="1"/>
+          </p:cNvPicPr>
           <p:nvPr>
             <p:ph idx="1"/>
           </p:nvPr>
-        </p:nvSpPr>
-        <p:spPr/>
-        <p:txBody>
-          <a:bodyPr/>
-          <a:lstStyle/>
-          <a:p>
-            <a:r>
-              <a:t>Креирање преусмеравањем садржаја.</a:t>
-            </a:r>
-          </a:p>
-          <a:p>
-            <a:r>
-              <a:t>Приступ уз помоћ start или API позива.</a:t>
-            </a:r>
-          </a:p>
-        </p:txBody>
-      </p:sp>
+        </p:nvPicPr>
+        <p:blipFill>
+          <a:blip r:embed="rId2"/>
+          <a:stretch>
+            <a:fillRect/>
+          </a:stretch>
+        </p:blipFill>
+        <p:spPr>
+          <a:xfrm>
+            <a:off x="1062037" y="1605541"/>
+            <a:ext cx="7019925" cy="4934622"/>
+          </a:xfrm>
+        </p:spPr>
+      </p:pic>
     </p:spTree>
   </p:cSld>
   <p:clrMapOvr>
@@ -6393,7 +7168,7 @@
           <a:lstStyle/>
           <a:p>
             <a:r>
-              <a:t>Детектовање и брисање ADS-а</a:t>
+              <a:t>Закључак</a:t>
             </a:r>
           </a:p>
         </p:txBody>
@@ -6410,17 +7185,78 @@
         </p:nvSpPr>
         <p:spPr/>
         <p:txBody>
-          <a:bodyPr/>
+          <a:bodyPr>
+            <a:noAutofit/>
+          </a:bodyPr>
           <a:lstStyle/>
           <a:p>
             <a:r>
-              <a:t>dir /r, Sysinternals Streams, PowerShell.</a:t>
-            </a:r>
-          </a:p>
-          <a:p>
-            <a:r>
-              <a:t>Брисање преписивањем или посебним алатима.</a:t>
-            </a:r>
+              <a:rPr lang="sr-Cyrl-RS" sz="2400">
+                <a:effectLst/>
+                <a:ea typeface="Calibri" panose="020F0502020204030204" pitchFamily="34" charset="0"/>
+              </a:rPr>
+              <a:t>Једн</a:t>
+            </a:r>
+            <a:r>
+              <a:rPr lang="en-US" sz="2400">
+                <a:effectLst/>
+                <a:ea typeface="Calibri" panose="020F0502020204030204" pitchFamily="34" charset="0"/>
+              </a:rPr>
+              <a:t>a</a:t>
+            </a:r>
+            <a:r>
+              <a:rPr lang="sr-Cyrl-RS" sz="2400">
+                <a:effectLst/>
+                <a:ea typeface="Calibri" panose="020F0502020204030204" pitchFamily="34" charset="0"/>
+              </a:rPr>
+              <a:t> од најмоћнијих, али и најконтроверзнијих функција NTFS система датотека.</a:t>
+            </a:r>
+            <a:endParaRPr lang="en-US" sz="2400">
+              <a:effectLst/>
+              <a:ea typeface="Calibri" panose="020F0502020204030204" pitchFamily="34" charset="0"/>
+            </a:endParaRPr>
+          </a:p>
+          <a:p>
+            <a:r>
+              <a:rPr lang="sr-Cyrl-RS" sz="2400">
+                <a:effectLst/>
+                <a:ea typeface="Calibri" panose="020F0502020204030204" pitchFamily="34" charset="0"/>
+              </a:rPr>
+              <a:t>ADS с</a:t>
+            </a:r>
+            <a:r>
+              <a:rPr lang="en-US" sz="2400">
+                <a:effectLst/>
+                <a:ea typeface="Calibri" panose="020F0502020204030204" pitchFamily="34" charset="0"/>
+              </a:rPr>
+              <a:t>e </a:t>
+            </a:r>
+            <a:r>
+              <a:rPr lang="sr-Cyrl-RS" sz="2400">
+                <a:effectLst/>
+                <a:ea typeface="Calibri" panose="020F0502020204030204" pitchFamily="34" charset="0"/>
+              </a:rPr>
+              <a:t>налази на раскршћу између легитимне примене и безбедносног ризика.</a:t>
+            </a:r>
+          </a:p>
+          <a:p>
+            <a:r>
+              <a:rPr lang="sr-Cyrl-RS" sz="2400">
+                <a:effectLst/>
+                <a:ea typeface="Calibri" panose="020F0502020204030204" pitchFamily="34" charset="0"/>
+              </a:rPr>
+              <a:t>У модерној сајбер безбедности они захтевају пажљиво управљање.</a:t>
+            </a:r>
+          </a:p>
+          <a:p>
+            <a:r>
+              <a:rPr lang="sr-Cyrl-RS" sz="2400">
+                <a:effectLst/>
+                <a:ea typeface="Calibri" panose="020F0502020204030204" pitchFamily="34" charset="0"/>
+              </a:rPr>
+              <a:t>Разумевање ADS-а није важно само за стручњаке за сајбер безбедност већ и за све кориснике NTFS система.</a:t>
+            </a:r>
+            <a:endParaRPr sz="2400"/>
           </a:p>
         </p:txBody>
       </p:sp>
@@ -6451,7 +7287,13 @@
       </p:grpSpPr>
       <p:sp>
         <p:nvSpPr>
-          <p:cNvPr id="2" name="Title 1"/>
+          <p:cNvPr id="2" name="Title 1">
+            <a:extLst>
+              <a:ext uri="{FF2B5EF4-FFF2-40B4-BE49-F238E27FC236}">
+                <a16:creationId xmlns:a16="http://schemas.microsoft.com/office/drawing/2014/main" id="{2A78BA9B-3DA8-45F2-82F9-406DD87016F9}"/>
+              </a:ext>
+            </a:extLst>
+          </p:cNvPr>
           <p:cNvSpPr>
             <a:spLocks noGrp="1"/>
           </p:cNvSpPr>
@@ -6459,260 +7301,33 @@
             <p:ph type="title"/>
           </p:nvPr>
         </p:nvSpPr>
-        <p:spPr/>
-        <p:txBody>
-          <a:bodyPr/>
+        <p:spPr>
+          <a:xfrm>
+            <a:off x="816263" y="2772760"/>
+            <a:ext cx="7511473" cy="1312480"/>
+          </a:xfrm>
+        </p:spPr>
+        <p:txBody>
+          <a:bodyPr>
+            <a:normAutofit/>
+          </a:bodyPr>
           <a:lstStyle/>
           <a:p>
-            <a:r>
-              <a:t>Легитимне примене ADS-а</a:t>
-            </a:r>
-          </a:p>
-        </p:txBody>
-      </p:sp>
-      <p:sp>
-        <p:nvSpPr>
-          <p:cNvPr id="3" name="Content Placeholder 2"/>
-          <p:cNvSpPr>
-            <a:spLocks noGrp="1"/>
-          </p:cNvSpPr>
-          <p:nvPr>
-            <p:ph idx="1"/>
-          </p:nvPr>
-        </p:nvSpPr>
-        <p:spPr/>
-        <p:txBody>
-          <a:bodyPr/>
-          <a:lstStyle/>
-          <a:p>
-            <a:r>
-              <a:t>Чување метаподатака, минијатура, конфигурација.</a:t>
-            </a:r>
-          </a:p>
-          <a:p>
-            <a:r>
-              <a:t>Windows системски процеси користе ADS.</a:t>
-            </a:r>
+            <a:pPr algn="ctr"/>
+            <a:r>
+              <a:rPr lang="sr-Cyrl-RS" sz="4000"/>
+              <a:t>Хвала на пажњи!</a:t>
+            </a:r>
+            <a:endParaRPr lang="sr-Latn-RS" sz="4000"/>
           </a:p>
         </p:txBody>
       </p:sp>
     </p:spTree>
-  </p:cSld>
-  <p:clrMapOvr>
-    <a:masterClrMapping/>
-  </p:clrMapOvr>
-</p:sld>
-</file>
-
-<file path=ppt/slides/slide17.xml><?xml version="1.0" encoding="utf-8"?>
-<p:sld xmlns:a="http://schemas.openxmlformats.org/drawingml/2006/main" xmlns:r="http://schemas.openxmlformats.org/officeDocument/2006/relationships" xmlns:p="http://schemas.openxmlformats.org/presentationml/2006/main">
-  <p:cSld>
-    <p:spTree>
-      <p:nvGrpSpPr>
-        <p:cNvPr id="1" name=""/>
-        <p:cNvGrpSpPr/>
-        <p:nvPr/>
-      </p:nvGrpSpPr>
-      <p:grpSpPr>
-        <a:xfrm>
-          <a:off x="0" y="0"/>
-          <a:ext cx="0" cy="0"/>
-          <a:chOff x="0" y="0"/>
-          <a:chExt cx="0" cy="0"/>
-        </a:xfrm>
-      </p:grpSpPr>
-      <p:sp>
-        <p:nvSpPr>
-          <p:cNvPr id="2" name="Title 1"/>
-          <p:cNvSpPr>
-            <a:spLocks noGrp="1"/>
-          </p:cNvSpPr>
-          <p:nvPr>
-            <p:ph type="title"/>
-          </p:nvPr>
-        </p:nvSpPr>
-        <p:spPr/>
-        <p:txBody>
-          <a:bodyPr/>
-          <a:lstStyle/>
-          <a:p>
-            <a:r>
-              <a:t>Ризици ADS-а</a:t>
-            </a:r>
-          </a:p>
-        </p:txBody>
-      </p:sp>
-      <p:sp>
-        <p:nvSpPr>
-          <p:cNvPr id="3" name="Content Placeholder 2"/>
-          <p:cNvSpPr>
-            <a:spLocks noGrp="1"/>
-          </p:cNvSpPr>
-          <p:nvPr>
-            <p:ph idx="1"/>
-          </p:nvPr>
-        </p:nvSpPr>
-        <p:spPr/>
-        <p:txBody>
-          <a:bodyPr/>
-          <a:lstStyle/>
-          <a:p>
-            <a:r>
-              <a:t>Злонамерна употреба за скривање малвера.</a:t>
-            </a:r>
-          </a:p>
-          <a:p>
-            <a:r>
-              <a:t>Exfiltration података и механизми упорности.</a:t>
-            </a:r>
-          </a:p>
-        </p:txBody>
-      </p:sp>
-    </p:spTree>
-  </p:cSld>
-  <p:clrMapOvr>
-    <a:masterClrMapping/>
-  </p:clrMapOvr>
-</p:sld>
-</file>
-
-<file path=ppt/slides/slide18.xml><?xml version="1.0" encoding="utf-8"?>
-<p:sld xmlns:a="http://schemas.openxmlformats.org/drawingml/2006/main" xmlns:r="http://schemas.openxmlformats.org/officeDocument/2006/relationships" xmlns:p="http://schemas.openxmlformats.org/presentationml/2006/main">
-  <p:cSld>
-    <p:spTree>
-      <p:nvGrpSpPr>
-        <p:cNvPr id="1" name=""/>
-        <p:cNvGrpSpPr/>
-        <p:nvPr/>
-      </p:nvGrpSpPr>
-      <p:grpSpPr>
-        <a:xfrm>
-          <a:off x="0" y="0"/>
-          <a:ext cx="0" cy="0"/>
-          <a:chOff x="0" y="0"/>
-          <a:chExt cx="0" cy="0"/>
-        </a:xfrm>
-      </p:grpSpPr>
-      <p:sp>
-        <p:nvSpPr>
-          <p:cNvPr id="2" name="Title 1"/>
-          <p:cNvSpPr>
-            <a:spLocks noGrp="1"/>
-          </p:cNvSpPr>
-          <p:nvPr>
-            <p:ph type="title"/>
-          </p:nvPr>
-        </p:nvSpPr>
-        <p:spPr/>
-        <p:txBody>
-          <a:bodyPr/>
-          <a:lstStyle/>
-          <a:p>
-            <a:r>
-              <a:t>ADS у модерној безбедности</a:t>
-            </a:r>
-          </a:p>
-        </p:txBody>
-      </p:sp>
-      <p:sp>
-        <p:nvSpPr>
-          <p:cNvPr id="3" name="Content Placeholder 2"/>
-          <p:cNvSpPr>
-            <a:spLocks noGrp="1"/>
-          </p:cNvSpPr>
-          <p:nvPr>
-            <p:ph idx="1"/>
-          </p:nvPr>
-        </p:nvSpPr>
-        <p:spPr/>
-        <p:txBody>
-          <a:bodyPr/>
-          <a:lstStyle/>
-          <a:p>
-            <a:r>
-              <a:t>Честа злоупотреба у fileless malware нападима.</a:t>
-            </a:r>
-          </a:p>
-          <a:p>
-            <a:r>
-              <a:t>Користи се за persistence и обфускацију података.</a:t>
-            </a:r>
-          </a:p>
-        </p:txBody>
-      </p:sp>
-    </p:spTree>
-  </p:cSld>
-  <p:clrMapOvr>
-    <a:masterClrMapping/>
-  </p:clrMapOvr>
-</p:sld>
-</file>
-
-<file path=ppt/slides/slide19.xml><?xml version="1.0" encoding="utf-8"?>
-<p:sld xmlns:a="http://schemas.openxmlformats.org/drawingml/2006/main" xmlns:r="http://schemas.openxmlformats.org/officeDocument/2006/relationships" xmlns:p="http://schemas.openxmlformats.org/presentationml/2006/main">
-  <p:cSld>
-    <p:spTree>
-      <p:nvGrpSpPr>
-        <p:cNvPr id="1" name=""/>
-        <p:cNvGrpSpPr/>
-        <p:nvPr/>
-      </p:nvGrpSpPr>
-      <p:grpSpPr>
-        <a:xfrm>
-          <a:off x="0" y="0"/>
-          <a:ext cx="0" cy="0"/>
-          <a:chOff x="0" y="0"/>
-          <a:chExt cx="0" cy="0"/>
-        </a:xfrm>
-      </p:grpSpPr>
-      <p:sp>
-        <p:nvSpPr>
-          <p:cNvPr id="2" name="Title 1"/>
-          <p:cNvSpPr>
-            <a:spLocks noGrp="1"/>
-          </p:cNvSpPr>
-          <p:nvPr>
-            <p:ph type="title"/>
-          </p:nvPr>
-        </p:nvSpPr>
-        <p:spPr/>
-        <p:txBody>
-          <a:bodyPr/>
-          <a:lstStyle/>
-          <a:p>
-            <a:r>
-              <a:t>certutil.exe и ADS</a:t>
-            </a:r>
-          </a:p>
-        </p:txBody>
-      </p:sp>
-      <p:sp>
-        <p:nvSpPr>
-          <p:cNvPr id="3" name="Content Placeholder 2"/>
-          <p:cNvSpPr>
-            <a:spLocks noGrp="1"/>
-          </p:cNvSpPr>
-          <p:nvPr>
-            <p:ph idx="1"/>
-          </p:nvPr>
-        </p:nvSpPr>
-        <p:spPr/>
-        <p:txBody>
-          <a:bodyPr/>
-          <a:lstStyle/>
-          <a:p>
-            <a:r>
-              <a:t>Злоупотреба certutil-а за преузимање и скривање малвера.</a:t>
-            </a:r>
-          </a:p>
-          <a:p>
-            <a:r>
-              <a:t>Base64 енкодинг и декодирање ради заобилажења заштите.</a:t>
-            </a:r>
-          </a:p>
-        </p:txBody>
-      </p:sp>
-    </p:spTree>
+    <p:extLst>
+      <p:ext uri="{BB962C8B-B14F-4D97-AF65-F5344CB8AC3E}">
+        <p14:creationId xmlns:p14="http://schemas.microsoft.com/office/powerpoint/2010/main" val="4250036875"/>
+      </p:ext>
+    </p:extLst>
   </p:cSld>
   <p:clrMapOvr>
     <a:masterClrMapping/>
@@ -6770,7 +7385,7 @@
         </p:nvSpPr>
         <p:spPr>
           <a:xfrm>
-            <a:off x="818348" y="1252258"/>
+            <a:off x="814180" y="1908498"/>
             <a:ext cx="7511472" cy="4041162"/>
           </a:xfrm>
         </p:spPr>
@@ -6780,271 +7395,143 @@
           </a:bodyPr>
           <a:lstStyle/>
           <a:p>
-            <a:endParaRPr lang="en-US" sz="2400" dirty="0"/>
-          </a:p>
-          <a:p>
-            <a:r>
-              <a:rPr sz="2400" dirty="0" err="1"/>
+            <a:endParaRPr lang="en-US" sz="2400"/>
+          </a:p>
+          <a:p>
+            <a:r>
+              <a:rPr sz="2400" err="1"/>
               <a:t>Развој</a:t>
             </a:r>
             <a:r>
-              <a:rPr sz="2400" dirty="0"/>
+              <a:rPr sz="2400"/>
               <a:t> </a:t>
             </a:r>
             <a:r>
-              <a:rPr sz="2400" dirty="0" err="1"/>
+              <a:rPr sz="2400" err="1"/>
               <a:t>модерних</a:t>
             </a:r>
             <a:r>
-              <a:rPr sz="2400" dirty="0"/>
+              <a:rPr sz="2400"/>
               <a:t> </a:t>
             </a:r>
             <a:r>
-              <a:rPr sz="2400" dirty="0" err="1"/>
+              <a:rPr sz="2400" err="1"/>
               <a:t>оперативних</a:t>
             </a:r>
             <a:r>
-              <a:rPr sz="2400" dirty="0"/>
+              <a:rPr sz="2400"/>
               <a:t> </a:t>
             </a:r>
             <a:r>
-              <a:rPr sz="2400" dirty="0" err="1"/>
+              <a:rPr sz="2400" err="1"/>
               <a:t>система</a:t>
             </a:r>
             <a:r>
-              <a:rPr sz="2400" dirty="0"/>
+              <a:rPr sz="2400"/>
               <a:t> и </a:t>
             </a:r>
             <a:r>
-              <a:rPr sz="2400" dirty="0" err="1"/>
+              <a:rPr sz="2400" err="1"/>
               <a:t>потреба</a:t>
             </a:r>
             <a:r>
-              <a:rPr sz="2400" dirty="0"/>
+              <a:rPr sz="2400"/>
               <a:t> </a:t>
             </a:r>
             <a:r>
-              <a:rPr sz="2400" dirty="0" err="1"/>
+              <a:rPr sz="2400" err="1"/>
               <a:t>за</a:t>
             </a:r>
             <a:r>
-              <a:rPr sz="2400" dirty="0"/>
+              <a:rPr sz="2400"/>
               <a:t> </a:t>
             </a:r>
             <a:r>
-              <a:rPr sz="2400" dirty="0" err="1"/>
+              <a:rPr sz="2400" err="1"/>
               <a:t>ефикасним</a:t>
             </a:r>
             <a:r>
-              <a:rPr sz="2400" dirty="0"/>
+              <a:rPr sz="2400"/>
               <a:t> </a:t>
             </a:r>
             <a:r>
-              <a:rPr sz="2400" dirty="0" err="1"/>
+              <a:rPr sz="2400" err="1"/>
               <a:t>складиштењем</a:t>
             </a:r>
             <a:r>
-              <a:rPr sz="2400" dirty="0"/>
+              <a:rPr sz="2400"/>
               <a:t>.</a:t>
             </a:r>
           </a:p>
           <a:p>
             <a:r>
-              <a:rPr sz="2400" dirty="0"/>
+              <a:rPr sz="2400"/>
               <a:t>NTFS </a:t>
             </a:r>
             <a:r>
-              <a:rPr sz="2400" dirty="0" err="1"/>
+              <a:rPr sz="2400" err="1"/>
               <a:t>систем</a:t>
             </a:r>
             <a:r>
-              <a:rPr sz="2400" dirty="0"/>
+              <a:rPr sz="2400"/>
               <a:t> </a:t>
             </a:r>
             <a:r>
-              <a:rPr sz="2400" dirty="0" err="1"/>
+              <a:rPr sz="2400" err="1"/>
               <a:t>увео</a:t>
             </a:r>
             <a:r>
-              <a:rPr sz="2400" dirty="0"/>
+              <a:rPr sz="2400"/>
               <a:t> </a:t>
             </a:r>
             <a:r>
-              <a:rPr sz="2400" dirty="0" err="1"/>
+              <a:rPr sz="2400" err="1"/>
               <a:t>функцију</a:t>
             </a:r>
             <a:r>
-              <a:rPr sz="2400" dirty="0"/>
+              <a:rPr sz="2400"/>
               <a:t> </a:t>
             </a:r>
             <a:r>
-              <a:rPr sz="2400" dirty="0" err="1"/>
+              <a:rPr sz="2400" err="1"/>
               <a:t>алтернативних</a:t>
             </a:r>
             <a:r>
-              <a:rPr sz="2400" dirty="0"/>
+              <a:rPr sz="2400"/>
               <a:t> </a:t>
             </a:r>
             <a:r>
-              <a:rPr sz="2400" dirty="0" err="1"/>
+              <a:rPr sz="2400" err="1"/>
               <a:t>стримова</a:t>
             </a:r>
             <a:r>
-              <a:rPr sz="2400" dirty="0"/>
+              <a:rPr sz="2400"/>
               <a:t> </a:t>
             </a:r>
             <a:r>
-              <a:rPr sz="2400" dirty="0" err="1"/>
+              <a:rPr sz="2400" err="1"/>
               <a:t>података</a:t>
             </a:r>
             <a:r>
-              <a:rPr sz="2400" dirty="0"/>
+              <a:rPr sz="2400"/>
               <a:t> (ADS).</a:t>
             </a:r>
-          </a:p>
-        </p:txBody>
-      </p:sp>
-    </p:spTree>
-  </p:cSld>
-  <p:clrMapOvr>
-    <a:masterClrMapping/>
-  </p:clrMapOvr>
-</p:sld>
-</file>
-
-<file path=ppt/slides/slide20.xml><?xml version="1.0" encoding="utf-8"?>
-<p:sld xmlns:a="http://schemas.openxmlformats.org/drawingml/2006/main" xmlns:r="http://schemas.openxmlformats.org/officeDocument/2006/relationships" xmlns:p="http://schemas.openxmlformats.org/presentationml/2006/main">
-  <p:cSld>
-    <p:spTree>
-      <p:nvGrpSpPr>
-        <p:cNvPr id="1" name=""/>
-        <p:cNvGrpSpPr/>
-        <p:nvPr/>
-      </p:nvGrpSpPr>
-      <p:grpSpPr>
-        <a:xfrm>
-          <a:off x="0" y="0"/>
-          <a:ext cx="0" cy="0"/>
-          <a:chOff x="0" y="0"/>
-          <a:chExt cx="0" cy="0"/>
-        </a:xfrm>
-      </p:grpSpPr>
-      <p:sp>
-        <p:nvSpPr>
-          <p:cNvPr id="2" name="Title 1"/>
-          <p:cNvSpPr>
-            <a:spLocks noGrp="1"/>
-          </p:cNvSpPr>
-          <p:nvPr>
-            <p:ph type="title"/>
-          </p:nvPr>
-        </p:nvSpPr>
-        <p:spPr/>
-        <p:txBody>
-          <a:bodyPr/>
-          <a:lstStyle/>
-          <a:p>
-            <a:r>
-              <a:t>Откривање ADS-а</a:t>
-            </a:r>
-          </a:p>
-        </p:txBody>
-      </p:sp>
-      <p:sp>
-        <p:nvSpPr>
-          <p:cNvPr id="3" name="Content Placeholder 2"/>
-          <p:cNvSpPr>
-            <a:spLocks noGrp="1"/>
-          </p:cNvSpPr>
-          <p:nvPr>
-            <p:ph idx="1"/>
-          </p:nvPr>
-        </p:nvSpPr>
-        <p:spPr/>
-        <p:txBody>
-          <a:bodyPr/>
-          <a:lstStyle/>
-          <a:p>
-            <a:r>
-              <a:t>Алатке: Sysinternals Streams, PowerShell, X-Ways, FTK, Autopsy.</a:t>
-            </a:r>
-          </a:p>
-          <a:p>
-            <a:r>
-              <a:t>Најбоље праксе: редовно скенирање, политике, едукација.</a:t>
-            </a:r>
-          </a:p>
-        </p:txBody>
-      </p:sp>
-    </p:spTree>
-  </p:cSld>
-  <p:clrMapOvr>
-    <a:masterClrMapping/>
-  </p:clrMapOvr>
-</p:sld>
-</file>
-
-<file path=ppt/slides/slide21.xml><?xml version="1.0" encoding="utf-8"?>
-<p:sld xmlns:a="http://schemas.openxmlformats.org/drawingml/2006/main" xmlns:r="http://schemas.openxmlformats.org/officeDocument/2006/relationships" xmlns:p="http://schemas.openxmlformats.org/presentationml/2006/main">
-  <p:cSld>
-    <p:spTree>
-      <p:nvGrpSpPr>
-        <p:cNvPr id="1" name=""/>
-        <p:cNvGrpSpPr/>
-        <p:nvPr/>
-      </p:nvGrpSpPr>
-      <p:grpSpPr>
-        <a:xfrm>
-          <a:off x="0" y="0"/>
-          <a:ext cx="0" cy="0"/>
-          <a:chOff x="0" y="0"/>
-          <a:chExt cx="0" cy="0"/>
-        </a:xfrm>
-      </p:grpSpPr>
-      <p:sp>
-        <p:nvSpPr>
-          <p:cNvPr id="2" name="Title 1"/>
-          <p:cNvSpPr>
-            <a:spLocks noGrp="1"/>
-          </p:cNvSpPr>
-          <p:nvPr>
-            <p:ph type="title"/>
-          </p:nvPr>
-        </p:nvSpPr>
-        <p:spPr/>
-        <p:txBody>
-          <a:bodyPr/>
-          <a:lstStyle/>
-          <a:p>
-            <a:r>
-              <a:t>Закључак</a:t>
-            </a:r>
-          </a:p>
-        </p:txBody>
-      </p:sp>
-      <p:sp>
-        <p:nvSpPr>
-          <p:cNvPr id="3" name="Content Placeholder 2"/>
-          <p:cNvSpPr>
-            <a:spLocks noGrp="1"/>
-          </p:cNvSpPr>
-          <p:nvPr>
-            <p:ph idx="1"/>
-          </p:nvPr>
-        </p:nvSpPr>
-        <p:spPr/>
-        <p:txBody>
-          <a:bodyPr/>
-          <a:lstStyle/>
-          <a:p>
-            <a:r>
-              <a:t>ADS је моћна али ризична функција NTFS-а.</a:t>
-            </a:r>
-          </a:p>
-          <a:p>
-            <a:r>
-              <a:t>Нужна је правилна детекција и управљање ради безбедности.</a:t>
-            </a:r>
+            <a:endParaRPr lang="en-US" sz="2400"/>
+          </a:p>
+          <a:p>
+            <a:endParaRPr lang="en-US" sz="2400"/>
+          </a:p>
+          <a:p>
+            <a:endParaRPr lang="en-US" sz="2400"/>
+          </a:p>
+          <a:p>
+            <a:endParaRPr lang="en-US" sz="2400"/>
+          </a:p>
+          <a:p>
+            <a:endParaRPr lang="en-US" sz="2400"/>
+          </a:p>
+          <a:p>
+            <a:endParaRPr sz="2400"/>
           </a:p>
         </p:txBody>
       </p:sp>
@@ -7089,8 +7576,20 @@
           <a:lstStyle/>
           <a:p>
             <a:r>
-              <a:t>NTFS систем датотека</a:t>
-            </a:r>
+              <a:t>NTFS </a:t>
+            </a:r>
+            <a:r>
+              <a:rPr err="1"/>
+              <a:t>систем</a:t>
+            </a:r>
+            <a:r>
+              <a:t> </a:t>
+            </a:r>
+            <a:r>
+              <a:rPr err="1"/>
+              <a:t>датотека</a:t>
+            </a:r>
+            <a:endParaRPr/>
           </a:p>
         </p:txBody>
       </p:sp>
@@ -7106,99 +7605,37 @@
         </p:nvSpPr>
         <p:spPr/>
         <p:txBody>
-          <a:bodyPr/>
+          <a:bodyPr>
+            <a:normAutofit/>
+          </a:bodyPr>
           <a:lstStyle/>
           <a:p>
             <a:r>
-              <a:rPr dirty="0" err="1"/>
-              <a:t>Подразумевани</a:t>
-            </a:r>
-            <a:r>
-              <a:rPr dirty="0"/>
-              <a:t> </a:t>
-            </a:r>
-            <a:r>
-              <a:rPr dirty="0" err="1"/>
-              <a:t>систем</a:t>
-            </a:r>
-            <a:r>
-              <a:rPr dirty="0"/>
-              <a:t> </a:t>
-            </a:r>
-            <a:r>
-              <a:rPr dirty="0" err="1"/>
-              <a:t>датотека</a:t>
-            </a:r>
-            <a:r>
-              <a:rPr dirty="0"/>
-              <a:t> </a:t>
-            </a:r>
-            <a:r>
-              <a:rPr dirty="0" err="1"/>
-              <a:t>за</a:t>
-            </a:r>
-            <a:r>
-              <a:rPr dirty="0"/>
-              <a:t> Windows.</a:t>
-            </a:r>
-          </a:p>
-          <a:p>
-            <a:r>
-              <a:rPr dirty="0" err="1"/>
-              <a:t>Обезбеђује</a:t>
-            </a:r>
-            <a:r>
-              <a:rPr dirty="0"/>
-              <a:t> </a:t>
-            </a:r>
-            <a:r>
-              <a:rPr dirty="0" err="1"/>
-              <a:t>безбедност</a:t>
-            </a:r>
-            <a:r>
-              <a:rPr dirty="0"/>
-              <a:t>, </a:t>
-            </a:r>
-            <a:r>
-              <a:rPr dirty="0" err="1"/>
-              <a:t>поузданост</a:t>
-            </a:r>
-            <a:r>
-              <a:rPr dirty="0"/>
-              <a:t> и </a:t>
-            </a:r>
-            <a:r>
-              <a:rPr dirty="0" err="1"/>
-              <a:t>подршку</a:t>
-            </a:r>
-            <a:r>
-              <a:rPr dirty="0"/>
-              <a:t> </a:t>
-            </a:r>
-            <a:r>
-              <a:rPr dirty="0" err="1"/>
-              <a:t>за</a:t>
-            </a:r>
-            <a:r>
-              <a:rPr dirty="0"/>
-              <a:t> </a:t>
-            </a:r>
-            <a:r>
-              <a:rPr dirty="0" err="1"/>
-              <a:t>велике</a:t>
-            </a:r>
-            <a:r>
-              <a:rPr dirty="0"/>
-              <a:t> </a:t>
-            </a:r>
-            <a:r>
-              <a:rPr dirty="0" err="1"/>
-              <a:t>волумене</a:t>
-            </a:r>
-            <a:r>
-              <a:rPr dirty="0"/>
-              <a:t>.</a:t>
-            </a:r>
+              <a:rPr lang="ru-RU" sz="2400"/>
+              <a:t>Подразумевани систем датотека за Windows.</a:t>
+            </a:r>
+          </a:p>
+          <a:p>
+            <a:r>
+              <a:rPr lang="ru-RU" sz="2400"/>
+              <a:t>Обезбеђује безбедност, поузданост и подршку за велике волумене.</a:t>
+            </a:r>
+            <a:endParaRPr lang="en-US" sz="2400"/>
+          </a:p>
+          <a:p>
+            <a:r>
+              <a:rPr lang="ru-RU" sz="2400"/>
+              <a:t>Подршка за енкрипцију, квоте на диску и богате метаподатке.</a:t>
+            </a:r>
+          </a:p>
+          <a:p>
+            <a:r>
+              <a:rPr lang="ru-RU" sz="2400"/>
+              <a:t>Интеграција са кластерисаним системима за високу доступност.</a:t>
+            </a:r>
+          </a:p>
+          <a:p>
+            <a:endParaRPr lang="ru-RU" sz="2400"/>
           </a:p>
         </p:txBody>
       </p:sp>
@@ -7243,8 +7680,14 @@
           <a:lstStyle/>
           <a:p>
             <a:r>
-              <a:t>Основне карактеристике NTFS-а</a:t>
-            </a:r>
+              <a:rPr lang="sr-Cyrl-RS"/>
+              <a:t>Предности </a:t>
+            </a:r>
+            <a:r>
+              <a:rPr lang="sr-Latn-RS"/>
+              <a:t>NTFS</a:t>
+            </a:r>
+            <a:endParaRPr/>
           </a:p>
         </p:txBody>
       </p:sp>
@@ -7258,19 +7701,216 @@
             <p:ph idx="1"/>
           </p:nvPr>
         </p:nvSpPr>
-        <p:spPr/>
-        <p:txBody>
-          <a:bodyPr/>
+        <p:spPr>
+          <a:xfrm>
+            <a:off x="818348" y="1921521"/>
+            <a:ext cx="7511472" cy="4041162"/>
+          </a:xfrm>
+        </p:spPr>
+        <p:txBody>
+          <a:bodyPr>
+            <a:noAutofit/>
+          </a:bodyPr>
           <a:lstStyle/>
           <a:p>
-            <a:r>
-              <a:t>Подршка за енкрипцију, квоте на диску и богате метаподатке.</a:t>
-            </a:r>
-          </a:p>
-          <a:p>
-            <a:r>
-              <a:t>Интеграција са кластерисаним системима за високу доступност.</a:t>
-            </a:r>
+            <a:endParaRPr lang="sr-Cyrl-RS" sz="2000"/>
+          </a:p>
+          <a:p>
+            <a:pPr marL="0" indent="0">
+              <a:buNone/>
+            </a:pPr>
+            <a:endParaRPr lang="sr-Cyrl-RS" sz="2000"/>
+          </a:p>
+          <a:p>
+            <a:endParaRPr lang="sr-Cyrl-RS" sz="2000"/>
+          </a:p>
+          <a:p>
+            <a:endParaRPr lang="sr-Cyrl-RS" sz="2000"/>
+          </a:p>
+          <a:p>
+            <a:endParaRPr lang="sr-Cyrl-RS" sz="2400"/>
+          </a:p>
+          <a:p>
+            <a:r>
+              <a:rPr lang="sr-Cyrl-RS" sz="2400" b="1"/>
+              <a:t>Повећана поузданост</a:t>
+            </a:r>
+            <a:r>
+              <a:rPr lang="sr-Cyrl-RS" sz="2400"/>
+              <a:t>:</a:t>
+            </a:r>
+          </a:p>
+          <a:p>
+            <a:pPr lvl="1"/>
+            <a:r>
+              <a:rPr sz="2400"/>
+              <a:t>NTFS </a:t>
+            </a:r>
+            <a:r>
+              <a:rPr sz="2400" err="1"/>
+              <a:t>чува</a:t>
+            </a:r>
+            <a:r>
+              <a:rPr sz="2400"/>
+              <a:t> </a:t>
+            </a:r>
+            <a:r>
+              <a:rPr sz="2400" err="1"/>
+              <a:t>дневник</a:t>
+            </a:r>
+            <a:r>
+              <a:rPr sz="2400"/>
+              <a:t> </a:t>
+            </a:r>
+            <a:r>
+              <a:rPr sz="2400" err="1"/>
+              <a:t>трансакција</a:t>
+            </a:r>
+            <a:r>
+              <a:rPr sz="2400"/>
+              <a:t> и </a:t>
+            </a:r>
+            <a:r>
+              <a:rPr sz="2400" err="1"/>
+              <a:t>користи</a:t>
+            </a:r>
+            <a:r>
+              <a:rPr sz="2400"/>
+              <a:t> self-healing </a:t>
+            </a:r>
+            <a:r>
+              <a:rPr sz="2400" err="1"/>
+              <a:t>функције</a:t>
+            </a:r>
+            <a:r>
+              <a:rPr sz="2400"/>
+              <a:t>.</a:t>
+            </a:r>
+          </a:p>
+          <a:p>
+            <a:pPr lvl="1"/>
+            <a:r>
+              <a:rPr sz="2400" err="1"/>
+              <a:t>Алатке</a:t>
+            </a:r>
+            <a:r>
+              <a:rPr sz="2400"/>
+              <a:t> </a:t>
+            </a:r>
+            <a:r>
+              <a:rPr sz="2400" err="1"/>
+              <a:t>као</a:t>
+            </a:r>
+            <a:r>
+              <a:rPr sz="2400"/>
+              <a:t> </a:t>
+            </a:r>
+            <a:r>
+              <a:rPr lang="en-US" sz="2400"/>
+              <a:t>"</a:t>
+            </a:r>
+            <a:r>
+              <a:rPr sz="2400" err="1"/>
+              <a:t>chkdsk</a:t>
+            </a:r>
+            <a:r>
+              <a:rPr lang="en-US" sz="2400"/>
+              <a:t>"</a:t>
+            </a:r>
+            <a:r>
+              <a:rPr sz="2400"/>
+              <a:t> </a:t>
+            </a:r>
+            <a:r>
+              <a:rPr sz="2400" err="1"/>
+              <a:t>обезбеђују</a:t>
+            </a:r>
+            <a:r>
+              <a:rPr sz="2400"/>
+              <a:t> </a:t>
+            </a:r>
+            <a:r>
+              <a:rPr sz="2400" err="1"/>
+              <a:t>интегритет</a:t>
+            </a:r>
+            <a:r>
+              <a:rPr sz="2400"/>
+              <a:t> </a:t>
+            </a:r>
+            <a:r>
+              <a:rPr sz="2400" err="1"/>
+              <a:t>података</a:t>
+            </a:r>
+            <a:r>
+              <a:rPr sz="2400"/>
+              <a:t>.</a:t>
+            </a:r>
+            <a:endParaRPr lang="sr-Cyrl-RS" sz="2400"/>
+          </a:p>
+          <a:p>
+            <a:r>
+              <a:rPr lang="sr-Cyrl-RS" sz="2400" b="1"/>
+              <a:t>Повећана безбедност</a:t>
+            </a:r>
+            <a:r>
+              <a:rPr lang="sr-Cyrl-RS" sz="2400"/>
+              <a:t>:</a:t>
+            </a:r>
+          </a:p>
+          <a:p>
+            <a:pPr lvl="1"/>
+            <a:r>
+              <a:rPr lang="ru-RU" sz="2400"/>
+              <a:t>ACL </a:t>
+            </a:r>
+            <a:r>
+              <a:rPr lang="sr-Cyrl-RS" sz="2400">
+                <a:effectLst/>
+                <a:ea typeface="Calibri" panose="020F0502020204030204" pitchFamily="34" charset="0"/>
+              </a:rPr>
+              <a:t>(</a:t>
+            </a:r>
+            <a:r>
+              <a:rPr lang="en-US" sz="2400">
+                <a:effectLst/>
+                <a:ea typeface="Calibri" panose="020F0502020204030204" pitchFamily="34" charset="0"/>
+              </a:rPr>
+              <a:t>Access Control Lists</a:t>
+            </a:r>
+            <a:r>
+              <a:rPr lang="sr-Cyrl-RS" sz="2400">
+                <a:effectLst/>
+                <a:ea typeface="Calibri" panose="020F0502020204030204" pitchFamily="34" charset="0"/>
+              </a:rPr>
+              <a:t>)</a:t>
+            </a:r>
+            <a:r>
+              <a:rPr lang="ru-RU" sz="2400"/>
+              <a:t> омогућавају детаљну контролу приступа.</a:t>
+            </a:r>
+          </a:p>
+          <a:p>
+            <a:pPr lvl="1"/>
+            <a:r>
+              <a:rPr lang="ru-RU" sz="2400"/>
+              <a:t>BitLocker обезбеђује енкрипцију података на дисковима.</a:t>
+            </a:r>
+          </a:p>
+          <a:p>
+            <a:pPr lvl="1"/>
+            <a:endParaRPr lang="en-US" sz="2000"/>
+          </a:p>
+          <a:p>
+            <a:endParaRPr lang="en-GB" sz="2000"/>
+          </a:p>
+          <a:p>
+            <a:endParaRPr lang="en-GB" sz="2000"/>
+          </a:p>
+          <a:p>
+            <a:endParaRPr lang="en-GB" sz="2000"/>
+          </a:p>
+          <a:p>
+            <a:endParaRPr sz="2000"/>
           </a:p>
         </p:txBody>
       </p:sp>
@@ -7301,48 +7941,73 @@
       </p:grpSpPr>
       <p:sp>
         <p:nvSpPr>
-          <p:cNvPr id="2" name="Title 1"/>
-          <p:cNvSpPr>
-            <a:spLocks noGrp="1"/>
-          </p:cNvSpPr>
-          <p:nvPr>
-            <p:ph type="title"/>
-          </p:nvPr>
-        </p:nvSpPr>
-        <p:spPr/>
-        <p:txBody>
-          <a:bodyPr/>
+          <p:cNvPr id="3" name="Content Placeholder 2"/>
+          <p:cNvSpPr>
+            <a:spLocks noGrp="1"/>
+          </p:cNvSpPr>
+          <p:nvPr>
+            <p:ph idx="1"/>
+          </p:nvPr>
+        </p:nvSpPr>
+        <p:spPr>
+          <a:xfrm>
+            <a:off x="816264" y="790575"/>
+            <a:ext cx="7511472" cy="5486400"/>
+          </a:xfrm>
+        </p:spPr>
+        <p:txBody>
+          <a:bodyPr>
+            <a:normAutofit/>
+          </a:bodyPr>
           <a:lstStyle/>
           <a:p>
             <a:r>
-              <a:t>Повећана поузданост</a:t>
-            </a:r>
-          </a:p>
-        </p:txBody>
-      </p:sp>
-      <p:sp>
-        <p:nvSpPr>
-          <p:cNvPr id="3" name="Content Placeholder 2"/>
-          <p:cNvSpPr>
-            <a:spLocks noGrp="1"/>
-          </p:cNvSpPr>
-          <p:nvPr>
-            <p:ph idx="1"/>
-          </p:nvPr>
-        </p:nvSpPr>
-        <p:spPr/>
-        <p:txBody>
-          <a:bodyPr/>
-          <a:lstStyle/>
-          <a:p>
-            <a:r>
-              <a:t>NTFS чува дневник трансакција и користи self-healing функције.</a:t>
-            </a:r>
-          </a:p>
-          <a:p>
-            <a:r>
-              <a:t>Алатке као chkdsk обезбеђују интегритет података.</a:t>
-            </a:r>
+              <a:rPr lang="sr-Cyrl-RS" sz="2400" b="1"/>
+              <a:t>Подршка за велике волумене:</a:t>
+            </a:r>
+          </a:p>
+          <a:p>
+            <a:pPr lvl="1"/>
+            <a:r>
+              <a:rPr sz="2400"/>
+              <a:t>NTFS подржава волумене до 8 PB.</a:t>
+            </a:r>
+          </a:p>
+          <a:p>
+            <a:pPr lvl="1"/>
+            <a:r>
+              <a:rPr sz="2400"/>
+              <a:t>Величина зависи од величине кластера.</a:t>
+            </a:r>
+            <a:endParaRPr lang="sr-Cyrl-RS" sz="2400"/>
+          </a:p>
+          <a:p>
+            <a:pPr lvl="1"/>
+            <a:endParaRPr lang="sr-Cyrl-RS" sz="2400"/>
+          </a:p>
+          <a:p>
+            <a:r>
+              <a:rPr lang="sr-Cyrl-RS" sz="2400" b="1"/>
+              <a:t>Флексибилна алокација:</a:t>
+            </a:r>
+          </a:p>
+          <a:p>
+            <a:pPr lvl="1"/>
+            <a:r>
+              <a:rPr lang="ru-RU" sz="2400"/>
+              <a:t>Квоте, компресија и проширивање волумена.</a:t>
+            </a:r>
+          </a:p>
+          <a:p>
+            <a:pPr lvl="1"/>
+            <a:r>
+              <a:rPr lang="ru-RU" sz="2400"/>
+              <a:t>Монтирање волумена у фасцикле.</a:t>
+            </a:r>
+          </a:p>
+          <a:p>
+            <a:pPr lvl="1"/>
+            <a:endParaRPr sz="2400"/>
           </a:p>
         </p:txBody>
       </p:sp>
@@ -7381,13 +8046,18 @@
             <p:ph type="title"/>
           </p:nvPr>
         </p:nvSpPr>
-        <p:spPr/>
+        <p:spPr>
+          <a:xfrm>
+            <a:off x="755123" y="502952"/>
+            <a:ext cx="7511473" cy="1312480"/>
+          </a:xfrm>
+        </p:spPr>
         <p:txBody>
           <a:bodyPr/>
           <a:lstStyle/>
           <a:p>
             <a:r>
-              <a:t>Повећана безбедност</a:t>
+              <a:t>ADS – Појам</a:t>
             </a:r>
           </a:p>
         </p:txBody>
@@ -7402,22 +8072,123 @@
             <p:ph idx="1"/>
           </p:nvPr>
         </p:nvSpPr>
-        <p:spPr/>
-        <p:txBody>
-          <a:bodyPr/>
+        <p:spPr>
+          <a:xfrm>
+            <a:off x="818348" y="1921521"/>
+            <a:ext cx="4468027" cy="4041162"/>
+          </a:xfrm>
+        </p:spPr>
+        <p:txBody>
+          <a:bodyPr>
+            <a:normAutofit/>
+          </a:bodyPr>
           <a:lstStyle/>
           <a:p>
-            <a:r>
-              <a:t>ACL омогућавају детаљну контролу приступа.</a:t>
-            </a:r>
-          </a:p>
-          <a:p>
-            <a:r>
-              <a:t>BitLocker обезбеђује енкрипцију података на дисковима.</a:t>
-            </a:r>
-          </a:p>
-        </p:txBody>
-      </p:sp>
+            <a:endParaRPr lang="en-US" sz="2400"/>
+          </a:p>
+          <a:p>
+            <a:endParaRPr lang="en-US" sz="2400"/>
+          </a:p>
+          <a:p>
+            <a:r>
+              <a:rPr lang="ru-RU" sz="2400"/>
+              <a:t>ADS је настао инспирисан Apple HFS системом.</a:t>
+            </a:r>
+          </a:p>
+          <a:p>
+            <a:r>
+              <a:rPr lang="ru-RU" sz="2400"/>
+              <a:t>Првобитно коришћен за компатибилност и метаподатке.</a:t>
+            </a:r>
+          </a:p>
+          <a:p>
+            <a:endParaRPr lang="ru-RU" sz="2400"/>
+          </a:p>
+          <a:p>
+            <a:endParaRPr lang="en-US" sz="2400"/>
+          </a:p>
+          <a:p>
+            <a:endParaRPr lang="en-GB" sz="2400"/>
+          </a:p>
+          <a:p>
+            <a:endParaRPr lang="en-GB" sz="2400"/>
+          </a:p>
+          <a:p>
+            <a:endParaRPr lang="en-GB" sz="2400"/>
+          </a:p>
+          <a:p>
+            <a:endParaRPr sz="2400"/>
+          </a:p>
+        </p:txBody>
+      </p:sp>
+      <p:pic>
+        <p:nvPicPr>
+          <p:cNvPr id="7" name="Shape 76">
+            <a:extLst>
+              <a:ext uri="{FF2B5EF4-FFF2-40B4-BE49-F238E27FC236}">
+                <a16:creationId xmlns:a16="http://schemas.microsoft.com/office/drawing/2014/main" id="{A3B9E358-6A5C-4085-A723-D46217D5CCB6}"/>
+              </a:ext>
+            </a:extLst>
+          </p:cNvPr>
+          <p:cNvPicPr preferRelativeResize="0"/>
+          <p:nvPr/>
+        </p:nvPicPr>
+        <p:blipFill>
+          <a:blip r:embed="rId2">
+            <a:alphaModFix/>
+          </a:blip>
+          <a:stretch>
+            <a:fillRect/>
+          </a:stretch>
+        </p:blipFill>
+        <p:spPr>
+          <a:xfrm>
+            <a:off x="1003575" y="4436401"/>
+            <a:ext cx="4997175" cy="1026203"/>
+          </a:xfrm>
+          <a:prstGeom prst="rect">
+            <a:avLst/>
+          </a:prstGeom>
+          <a:noFill/>
+          <a:ln>
+            <a:noFill/>
+          </a:ln>
+        </p:spPr>
+      </p:pic>
+      <p:pic>
+        <p:nvPicPr>
+          <p:cNvPr id="8" name="Shape 75">
+            <a:extLst>
+              <a:ext uri="{FF2B5EF4-FFF2-40B4-BE49-F238E27FC236}">
+                <a16:creationId xmlns:a16="http://schemas.microsoft.com/office/drawing/2014/main" id="{F98514B8-7984-406E-91C2-739AEFB4E91A}"/>
+              </a:ext>
+            </a:extLst>
+          </p:cNvPr>
+          <p:cNvPicPr preferRelativeResize="0"/>
+          <p:nvPr/>
+        </p:nvPicPr>
+        <p:blipFill>
+          <a:blip r:embed="rId3">
+            <a:alphaModFix/>
+          </a:blip>
+          <a:stretch>
+            <a:fillRect/>
+          </a:stretch>
+        </p:blipFill>
+        <p:spPr>
+          <a:xfrm>
+            <a:off x="5874250" y="1266924"/>
+            <a:ext cx="2774450" cy="4301769"/>
+          </a:xfrm>
+          <a:prstGeom prst="rect">
+            <a:avLst/>
+          </a:prstGeom>
+          <a:noFill/>
+          <a:ln>
+            <a:noFill/>
+          </a:ln>
+        </p:spPr>
+      </p:pic>
     </p:spTree>
   </p:cSld>
   <p:clrMapOvr>
@@ -7459,8 +8230,18 @@
           <a:lstStyle/>
           <a:p>
             <a:r>
-              <a:t>Подршка за велике волумене</a:t>
-            </a:r>
+              <a:rPr lang="sr-Cyrl-RS"/>
+              <a:t>Могућности </a:t>
+            </a:r>
+            <a:r>
+              <a:rPr lang="sr-Latn-RS"/>
+              <a:t>A</a:t>
+            </a:r>
+            <a:r>
+              <a:rPr lang="sr-Cyrl-RS"/>
+              <a:t>лтернативних стримова</a:t>
+            </a:r>
+            <a:endParaRPr/>
           </a:p>
         </p:txBody>
       </p:sp>
@@ -7474,19 +8255,64 @@
             <p:ph idx="1"/>
           </p:nvPr>
         </p:nvSpPr>
-        <p:spPr/>
-        <p:txBody>
-          <a:bodyPr/>
+        <p:spPr>
+          <a:xfrm>
+            <a:off x="818348" y="2060898"/>
+            <a:ext cx="7511472" cy="4041162"/>
+          </a:xfrm>
+        </p:spPr>
+        <p:txBody>
+          <a:bodyPr>
+            <a:noAutofit/>
+          </a:bodyPr>
           <a:lstStyle/>
           <a:p>
-            <a:r>
-              <a:t>NTFS подржава волумене до 8 PB.</a:t>
-            </a:r>
-          </a:p>
-          <a:p>
-            <a:r>
-              <a:t>Величина зависи од величине кластера.</a:t>
-            </a:r>
+            <a:endParaRPr lang="sr-Cyrl-RS" sz="2000"/>
+          </a:p>
+          <a:p>
+            <a:endParaRPr lang="sr-Cyrl-RS" sz="2000"/>
+          </a:p>
+          <a:p>
+            <a:r>
+              <a:rPr lang="sr-Cyrl-RS" sz="2400"/>
+              <a:t>Чување било које врсте фајлова: текст, слике, видео, па чак и малвер.</a:t>
+            </a:r>
+          </a:p>
+          <a:p>
+            <a:r>
+              <a:rPr lang="sr-Cyrl-RS" sz="2400"/>
+              <a:t>Складиштење фајлова унутар података самог фајла/фолдера, омогућава прикривено чување података.</a:t>
+            </a:r>
+          </a:p>
+          <a:p>
+            <a:r>
+              <a:rPr lang="sr-Cyrl-RS" sz="2400"/>
+              <a:t>Модификација метаподатака: аутор, наслов, опис и друга пратећа својства.</a:t>
+            </a:r>
+          </a:p>
+          <a:p>
+            <a:r>
+              <a:rPr lang="sr-Cyrl-RS" sz="2400"/>
+              <a:t>Могућност злоупотребе за </a:t>
+            </a:r>
+            <a:r>
+              <a:rPr lang="sr-Latn-RS" sz="2400"/>
+              <a:t>DoS (Denial of Service) </a:t>
+            </a:r>
+            <a:r>
+              <a:rPr lang="sr-Cyrl-RS" sz="2400"/>
+              <a:t>нападе: креирањем скривених токова који троше ресурсе система.</a:t>
+            </a:r>
+            <a:endParaRPr lang="en-US" sz="2400"/>
+          </a:p>
+          <a:p>
+            <a:pPr marL="0" indent="0">
+              <a:buNone/>
+            </a:pPr>
+            <a:endParaRPr lang="ru-RU" sz="2000"/>
+          </a:p>
+          <a:p>
+            <a:endParaRPr sz="2000"/>
           </a:p>
         </p:txBody>
       </p:sp>
@@ -7531,8 +8357,21 @@
           <a:lstStyle/>
           <a:p>
             <a:r>
-              <a:t>Максимална дужина имена</a:t>
-            </a:r>
+              <a:rPr lang="sr-Cyrl-RS"/>
+              <a:t>Карактеристике </a:t>
+            </a:r>
+            <a:r>
+              <a:t>AD</a:t>
+            </a:r>
+            <a:r>
+              <a:rPr lang="sr-Latn-RS"/>
+              <a:t>S</a:t>
+            </a:r>
+            <a:r>
+              <a:rPr lang="sr-Cyrl-RS"/>
+              <a:t>-а</a:t>
+            </a:r>
+            <a:endParaRPr/>
           </a:p>
         </p:txBody>
       </p:sp>
@@ -7548,16 +8387,104 @@
         </p:nvSpPr>
         <p:spPr/>
         <p:txBody>
-          <a:bodyPr/>
+          <a:bodyPr>
+            <a:normAutofit lnSpcReduction="10000"/>
+          </a:bodyPr>
           <a:lstStyle/>
           <a:p>
             <a:r>
-              <a:t>Подршка за имена путања до 32.767 карактера.</a:t>
-            </a:r>
-          </a:p>
-          <a:p>
-            <a:r>
-              <a:t>Омогућена уназадна компатибилност са 8.3 форматом.</a:t>
+              <a:rPr lang="sr-Cyrl-RS" sz="2400"/>
+              <a:t>Величина </a:t>
+            </a:r>
+            <a:r>
+              <a:rPr lang="sr-Latn-RS" sz="2400"/>
+              <a:t>ADS-</a:t>
+            </a:r>
+            <a:r>
+              <a:rPr lang="sr-Cyrl-RS" sz="2400"/>
+              <a:t>а није укључена у подразумевану величину фајла.</a:t>
+            </a:r>
+          </a:p>
+          <a:p>
+            <a:r>
+              <a:rPr lang="sr-Cyrl-RS" sz="2400"/>
+              <a:t>Не мења </a:t>
+            </a:r>
+            <a:r>
+              <a:rPr lang="sr-Latn-RS" sz="2400"/>
+              <a:t>checksum </a:t>
+            </a:r>
+            <a:r>
+              <a:rPr lang="sr-Cyrl-RS" sz="2400"/>
+              <a:t>фајла.</a:t>
+            </a:r>
+          </a:p>
+          <a:p>
+            <a:r>
+              <a:rPr lang="sr-Cyrl-RS" sz="2400"/>
+              <a:t>Губитак </a:t>
+            </a:r>
+            <a:r>
+              <a:rPr lang="sr-Latn-RS" sz="2400"/>
+              <a:t>ADS </a:t>
+            </a:r>
+            <a:r>
+              <a:rPr lang="sr-Cyrl-RS" sz="2400"/>
+              <a:t>података настаје при:</a:t>
+            </a:r>
+          </a:p>
+          <a:p>
+            <a:r>
+              <a:rPr lang="sr-Cyrl-RS" sz="2400"/>
+              <a:t>компресији у </a:t>
+            </a:r>
+            <a:r>
+              <a:rPr lang="sr-Latn-RS" sz="2400"/>
+              <a:t>ZIP, RAR </a:t>
+            </a:r>
+            <a:r>
+              <a:rPr lang="sr-Cyrl-RS" sz="2400"/>
+              <a:t>или </a:t>
+            </a:r>
+            <a:r>
+              <a:rPr lang="sr-Latn-RS" sz="2400"/>
+              <a:t>ARJ (</a:t>
+            </a:r>
+            <a:r>
+              <a:rPr lang="sr-Cyrl-RS" sz="2400"/>
+              <a:t>компресује се само главни фајл),</a:t>
+            </a:r>
+          </a:p>
+          <a:p>
+            <a:r>
+              <a:rPr lang="sr-Latn-RS" sz="2400"/>
+              <a:t>Base64 </a:t>
+            </a:r>
+            <a:r>
+              <a:rPr lang="sr-Cyrl-RS" sz="2400"/>
+              <a:t>енкодингу (нпр. у е-пошти),</a:t>
+            </a:r>
+          </a:p>
+          <a:p>
+            <a:r>
+              <a:rPr lang="sr-Cyrl-RS" sz="2400"/>
+              <a:t>форматирању у </a:t>
+            </a:r>
+            <a:r>
+              <a:rPr lang="sr-Latn-RS" sz="2400"/>
+              <a:t>FAT32 (</a:t>
+            </a:r>
+            <a:r>
+              <a:rPr lang="sr-Cyrl-RS" sz="2400"/>
+              <a:t>неке </a:t>
+            </a:r>
+            <a:r>
+              <a:rPr lang="sr-Latn-RS" sz="2400"/>
+              <a:t>USB </a:t>
+            </a:r>
+            <a:r>
+              <a:rPr lang="sr-Cyrl-RS" sz="2400"/>
+              <a:t>меморије долазе у овом формату).</a:t>
             </a:r>
           </a:p>
         </p:txBody>
@@ -7589,7 +8516,13 @@
       </p:grpSpPr>
       <p:sp>
         <p:nvSpPr>
-          <p:cNvPr id="2" name="Title 1"/>
+          <p:cNvPr id="2" name="Title 1">
+            <a:extLst>
+              <a:ext uri="{FF2B5EF4-FFF2-40B4-BE49-F238E27FC236}">
+                <a16:creationId xmlns:a16="http://schemas.microsoft.com/office/drawing/2014/main" id="{B2838BC0-6546-446D-ADA6-C6AB9421F178}"/>
+              </a:ext>
+            </a:extLst>
+          </p:cNvPr>
           <p:cNvSpPr>
             <a:spLocks noGrp="1"/>
           </p:cNvSpPr>
@@ -7603,14 +8536,30 @@
           <a:lstStyle/>
           <a:p>
             <a:r>
-              <a:t>Флексибилна алокација</a:t>
-            </a:r>
-          </a:p>
-        </p:txBody>
-      </p:sp>
-      <p:sp>
-        <p:nvSpPr>
-          <p:cNvPr id="3" name="Content Placeholder 2"/>
+              <a:rPr lang="sr-Cyrl-RS"/>
+              <a:t>Ризици </a:t>
+            </a:r>
+            <a:r>
+              <a:rPr lang="sr-Latn-RS"/>
+              <a:t>ADS-</a:t>
+            </a:r>
+            <a:r>
+              <a:rPr lang="sr-Cyrl-RS"/>
+              <a:t>а</a:t>
+            </a:r>
+            <a:endParaRPr lang="sr-Latn-RS"/>
+          </a:p>
+        </p:txBody>
+      </p:sp>
+      <p:sp>
+        <p:nvSpPr>
+          <p:cNvPr id="3" name="Content Placeholder 2">
+            <a:extLst>
+              <a:ext uri="{FF2B5EF4-FFF2-40B4-BE49-F238E27FC236}">
+                <a16:creationId xmlns:a16="http://schemas.microsoft.com/office/drawing/2014/main" id="{53F6F312-189A-4322-B1AB-178337049760}"/>
+              </a:ext>
+            </a:extLst>
+          </p:cNvPr>
           <p:cNvSpPr>
             <a:spLocks noGrp="1"/>
           </p:cNvSpPr>
@@ -7618,23 +8567,185 @@
             <p:ph idx="1"/>
           </p:nvPr>
         </p:nvSpPr>
-        <p:spPr/>
-        <p:txBody>
-          <a:bodyPr/>
+        <p:spPr>
+          <a:xfrm>
+            <a:off x="818348" y="1908498"/>
+            <a:ext cx="7511472" cy="4041162"/>
+          </a:xfrm>
+        </p:spPr>
+        <p:txBody>
+          <a:bodyPr>
+            <a:noAutofit/>
+          </a:bodyPr>
           <a:lstStyle/>
           <a:p>
-            <a:r>
-              <a:t>Квоте, компресија и проширивање волумена.</a:t>
-            </a:r>
-          </a:p>
-          <a:p>
-            <a:r>
-              <a:t>Монтирање волумена у фасцикле.</a:t>
-            </a:r>
+            <a:pPr marL="342900" lvl="0" indent="-342900">
+              <a:lnSpc>
+                <a:spcPct val="107000"/>
+              </a:lnSpc>
+              <a:buFont typeface="Symbol" panose="05050102010706020507" pitchFamily="18" charset="2"/>
+              <a:buChar char=""/>
+            </a:pPr>
+            <a:endParaRPr lang="sr-Cyrl-RS" sz="2400">
+              <a:effectLst/>
+              <a:ea typeface="Calibri" panose="020F0502020204030204" pitchFamily="34" charset="0"/>
+              <a:cs typeface="Times New Roman" panose="02020603050405020304" pitchFamily="18" charset="0"/>
+            </a:endParaRPr>
+          </a:p>
+          <a:p>
+            <a:pPr marL="342900" lvl="0" indent="-342900">
+              <a:lnSpc>
+                <a:spcPct val="107000"/>
+              </a:lnSpc>
+              <a:buFont typeface="Symbol" panose="05050102010706020507" pitchFamily="18" charset="2"/>
+              <a:buChar char=""/>
+            </a:pPr>
+            <a:endParaRPr lang="sr-Cyrl-RS" sz="2400">
+              <a:effectLst/>
+              <a:ea typeface="Calibri" panose="020F0502020204030204" pitchFamily="34" charset="0"/>
+            </a:endParaRPr>
+          </a:p>
+          <a:p>
+            <a:pPr marL="342900" lvl="0" indent="-342900">
+              <a:lnSpc>
+                <a:spcPct val="107000"/>
+              </a:lnSpc>
+              <a:buFont typeface="Symbol" panose="05050102010706020507" pitchFamily="18" charset="2"/>
+              <a:buChar char=""/>
+            </a:pPr>
+            <a:endParaRPr lang="sr-Cyrl-RS" sz="2400">
+              <a:effectLst/>
+              <a:ea typeface="Calibri" panose="020F0502020204030204" pitchFamily="34" charset="0"/>
+            </a:endParaRPr>
+          </a:p>
+          <a:p>
+            <a:pPr marL="342900" lvl="0" indent="-342900">
+              <a:lnSpc>
+                <a:spcPct val="107000"/>
+              </a:lnSpc>
+              <a:buFont typeface="Symbol" panose="05050102010706020507" pitchFamily="18" charset="2"/>
+              <a:buChar char=""/>
+            </a:pPr>
+            <a:endParaRPr lang="sr-Cyrl-RS" sz="2400">
+              <a:effectLst/>
+              <a:ea typeface="Calibri" panose="020F0502020204030204" pitchFamily="34" charset="0"/>
+            </a:endParaRPr>
+          </a:p>
+          <a:p>
+            <a:pPr marL="342900" lvl="0" indent="-342900">
+              <a:lnSpc>
+                <a:spcPct val="107000"/>
+              </a:lnSpc>
+              <a:buFont typeface="Symbol" panose="05050102010706020507" pitchFamily="18" charset="2"/>
+              <a:buChar char=""/>
+            </a:pPr>
+            <a:r>
+              <a:rPr lang="sr-Cyrl-RS" sz="2400">
+                <a:effectLst/>
+                <a:ea typeface="Calibri" panose="020F0502020204030204" pitchFamily="34" charset="0"/>
+              </a:rPr>
+              <a:t>Напади без фајлова (Fileless malware) - Малвер није сачуван као самосталан фајл већ унутар ADS-а</a:t>
+            </a:r>
+          </a:p>
+          <a:p>
+            <a:pPr marL="342900" lvl="0" indent="-342900">
+              <a:lnSpc>
+                <a:spcPct val="107000"/>
+              </a:lnSpc>
+              <a:buFont typeface="Symbol" panose="05050102010706020507" pitchFamily="18" charset="2"/>
+              <a:buChar char=""/>
+            </a:pPr>
+            <a:r>
+              <a:rPr lang="sr-Cyrl-RS" sz="2400">
+                <a:effectLst/>
+                <a:ea typeface="Calibri" panose="020F0502020204030204" pitchFamily="34" charset="0"/>
+              </a:rPr>
+              <a:t>Изношење података (Data exfiltration) - Нападачи користе ADS за скривање украдених података</a:t>
+            </a:r>
+          </a:p>
+          <a:p>
+            <a:pPr marL="342900" lvl="0" indent="-342900">
+              <a:lnSpc>
+                <a:spcPct val="107000"/>
+              </a:lnSpc>
+              <a:buFont typeface="Symbol" panose="05050102010706020507" pitchFamily="18" charset="2"/>
+              <a:buChar char=""/>
+            </a:pPr>
+            <a:r>
+              <a:rPr lang="sr-Cyrl-RS" sz="2400">
+                <a:effectLst/>
+                <a:ea typeface="Calibri" panose="020F0502020204030204" pitchFamily="34" charset="0"/>
+              </a:rPr>
+              <a:t>Механизми упорности (Persistence mechanisms) - Злонамерни актери складиште „бекдорове“, експлоите, унутар </a:t>
+            </a:r>
+            <a:r>
+              <a:rPr lang="sr-Latn-RS" sz="2400"/>
+              <a:t>ADS-</a:t>
+            </a:r>
+            <a:r>
+              <a:rPr lang="sr-Cyrl-RS" sz="2400"/>
+              <a:t>а</a:t>
+            </a:r>
+            <a:endParaRPr lang="sr-Cyrl-RS" sz="2400">
+              <a:effectLst/>
+              <a:ea typeface="Calibri" panose="020F0502020204030204" pitchFamily="34" charset="0"/>
+            </a:endParaRPr>
+          </a:p>
+          <a:p>
+            <a:pPr marL="342900" lvl="0" indent="-342900">
+              <a:lnSpc>
+                <a:spcPct val="107000"/>
+              </a:lnSpc>
+              <a:buFont typeface="Symbol" panose="05050102010706020507" pitchFamily="18" charset="2"/>
+              <a:buChar char=""/>
+            </a:pPr>
+            <a:endParaRPr lang="sr-Cyrl-RS" sz="2400">
+              <a:effectLst/>
+              <a:ea typeface="Calibri" panose="020F0502020204030204" pitchFamily="34" charset="0"/>
+            </a:endParaRPr>
+          </a:p>
+          <a:p>
+            <a:pPr marL="342900" lvl="0" indent="-342900">
+              <a:lnSpc>
+                <a:spcPct val="107000"/>
+              </a:lnSpc>
+              <a:buFont typeface="Symbol" panose="05050102010706020507" pitchFamily="18" charset="2"/>
+              <a:buChar char=""/>
+            </a:pPr>
+            <a:endParaRPr lang="sr-Cyrl-RS" sz="2400">
+              <a:effectLst/>
+              <a:ea typeface="Calibri" panose="020F0502020204030204" pitchFamily="34" charset="0"/>
+            </a:endParaRPr>
+          </a:p>
+          <a:p>
+            <a:pPr marL="0" lvl="0" indent="0">
+              <a:lnSpc>
+                <a:spcPct val="107000"/>
+              </a:lnSpc>
+              <a:buNone/>
+            </a:pPr>
+            <a:endParaRPr lang="sr-Cyrl-RS" sz="2400">
+              <a:effectLst/>
+              <a:ea typeface="Calibri" panose="020F0502020204030204" pitchFamily="34" charset="0"/>
+            </a:endParaRPr>
+          </a:p>
+          <a:p>
+            <a:pPr marL="0" lvl="0" indent="0">
+              <a:lnSpc>
+                <a:spcPct val="107000"/>
+              </a:lnSpc>
+              <a:buNone/>
+            </a:pPr>
+            <a:endParaRPr lang="sr-Latn-RS" sz="2400"/>
           </a:p>
         </p:txBody>
       </p:sp>
     </p:spTree>
+    <p:extLst>
+      <p:ext uri="{BB962C8B-B14F-4D97-AF65-F5344CB8AC3E}">
+        <p14:creationId xmlns:p14="http://schemas.microsoft.com/office/powerpoint/2010/main" val="2801599541"/>
+      </p:ext>
+    </p:extLst>
   </p:cSld>
   <p:clrMapOvr>
     <a:masterClrMapping/>
